--- a/introduction.pptx
+++ b/introduction.pptx
@@ -6,22 +6,30 @@
   </p:sldMasterIdLst>
   <p:sldIdLst>
     <p:sldId id="256" r:id="rId2"/>
-    <p:sldId id="260" r:id="rId3"/>
-    <p:sldId id="262" r:id="rId4"/>
-    <p:sldId id="257" r:id="rId5"/>
-    <p:sldId id="258" r:id="rId6"/>
-    <p:sldId id="263" r:id="rId7"/>
-    <p:sldId id="259" r:id="rId8"/>
-    <p:sldId id="264" r:id="rId9"/>
-    <p:sldId id="261" r:id="rId10"/>
-    <p:sldId id="265" r:id="rId11"/>
-    <p:sldId id="266" r:id="rId12"/>
-    <p:sldId id="267" r:id="rId13"/>
-    <p:sldId id="268" r:id="rId14"/>
-    <p:sldId id="269" r:id="rId15"/>
-    <p:sldId id="270" r:id="rId16"/>
-    <p:sldId id="271" r:id="rId17"/>
-    <p:sldId id="272" r:id="rId18"/>
+    <p:sldId id="277" r:id="rId3"/>
+    <p:sldId id="260" r:id="rId4"/>
+    <p:sldId id="262" r:id="rId5"/>
+    <p:sldId id="257" r:id="rId6"/>
+    <p:sldId id="279" r:id="rId7"/>
+    <p:sldId id="258" r:id="rId8"/>
+    <p:sldId id="263" r:id="rId9"/>
+    <p:sldId id="259" r:id="rId10"/>
+    <p:sldId id="264" r:id="rId11"/>
+    <p:sldId id="261" r:id="rId12"/>
+    <p:sldId id="265" r:id="rId13"/>
+    <p:sldId id="266" r:id="rId14"/>
+    <p:sldId id="267" r:id="rId15"/>
+    <p:sldId id="268" r:id="rId16"/>
+    <p:sldId id="269" r:id="rId17"/>
+    <p:sldId id="270" r:id="rId18"/>
+    <p:sldId id="271" r:id="rId19"/>
+    <p:sldId id="272" r:id="rId20"/>
+    <p:sldId id="273" r:id="rId21"/>
+    <p:sldId id="274" r:id="rId22"/>
+    <p:sldId id="280" r:id="rId23"/>
+    <p:sldId id="275" r:id="rId24"/>
+    <p:sldId id="276" r:id="rId25"/>
+    <p:sldId id="281" r:id="rId26"/>
   </p:sldIdLst>
   <p:sldSz cx="9144000" cy="6858000" type="screen4x3"/>
   <p:notesSz cx="6858000" cy="9144000"/>
@@ -120,6 +128,22 @@
       </a:defRPr>
     </a:lvl9pPr>
   </p:defaultTextStyle>
+  <p:extLst>
+    <p:ext uri="{EFAFB233-063F-42B5-8137-9DF3F51BA10A}">
+      <p15:sldGuideLst xmlns:p15="http://schemas.microsoft.com/office/powerpoint/2012/main">
+        <p15:guide id="1" orient="horz" pos="2160">
+          <p15:clr>
+            <a:srgbClr val="A4A3A4"/>
+          </p15:clr>
+        </p15:guide>
+        <p15:guide id="2" pos="2880">
+          <p15:clr>
+            <a:srgbClr val="A4A3A4"/>
+          </p15:clr>
+        </p15:guide>
+      </p15:sldGuideLst>
+    </p:ext>
+  </p:extLst>
 </p:presentation>
 </file>
 
@@ -304,7 +328,7 @@
           <a:p>
             <a:fld id="{418259CB-B7BB-4090-9C34-490633F5C250}" type="datetimeFigureOut">
               <a:rPr lang="en-US" smtClean="0"/>
-              <a:t>4/30/2018</a:t>
+              <a:t>6/22/2018</a:t>
             </a:fld>
             <a:endParaRPr lang="en-US"/>
           </a:p>
@@ -474,7 +498,7 @@
           <a:p>
             <a:fld id="{418259CB-B7BB-4090-9C34-490633F5C250}" type="datetimeFigureOut">
               <a:rPr lang="en-US" smtClean="0"/>
-              <a:t>4/30/2018</a:t>
+              <a:t>6/22/2018</a:t>
             </a:fld>
             <a:endParaRPr lang="en-US"/>
           </a:p>
@@ -654,7 +678,7 @@
           <a:p>
             <a:fld id="{418259CB-B7BB-4090-9C34-490633F5C250}" type="datetimeFigureOut">
               <a:rPr lang="en-US" smtClean="0"/>
-              <a:t>4/30/2018</a:t>
+              <a:t>6/22/2018</a:t>
             </a:fld>
             <a:endParaRPr lang="en-US"/>
           </a:p>
@@ -824,7 +848,7 @@
           <a:p>
             <a:fld id="{418259CB-B7BB-4090-9C34-490633F5C250}" type="datetimeFigureOut">
               <a:rPr lang="en-US" smtClean="0"/>
-              <a:t>4/30/2018</a:t>
+              <a:t>6/22/2018</a:t>
             </a:fld>
             <a:endParaRPr lang="en-US"/>
           </a:p>
@@ -1070,7 +1094,7 @@
           <a:p>
             <a:fld id="{418259CB-B7BB-4090-9C34-490633F5C250}" type="datetimeFigureOut">
               <a:rPr lang="en-US" smtClean="0"/>
-              <a:t>4/30/2018</a:t>
+              <a:t>6/22/2018</a:t>
             </a:fld>
             <a:endParaRPr lang="en-US"/>
           </a:p>
@@ -1358,7 +1382,7 @@
           <a:p>
             <a:fld id="{418259CB-B7BB-4090-9C34-490633F5C250}" type="datetimeFigureOut">
               <a:rPr lang="en-US" smtClean="0"/>
-              <a:t>4/30/2018</a:t>
+              <a:t>6/22/2018</a:t>
             </a:fld>
             <a:endParaRPr lang="en-US"/>
           </a:p>
@@ -1780,7 +1804,7 @@
           <a:p>
             <a:fld id="{418259CB-B7BB-4090-9C34-490633F5C250}" type="datetimeFigureOut">
               <a:rPr lang="en-US" smtClean="0"/>
-              <a:t>4/30/2018</a:t>
+              <a:t>6/22/2018</a:t>
             </a:fld>
             <a:endParaRPr lang="en-US"/>
           </a:p>
@@ -1898,7 +1922,7 @@
           <a:p>
             <a:fld id="{418259CB-B7BB-4090-9C34-490633F5C250}" type="datetimeFigureOut">
               <a:rPr lang="en-US" smtClean="0"/>
-              <a:t>4/30/2018</a:t>
+              <a:t>6/22/2018</a:t>
             </a:fld>
             <a:endParaRPr lang="en-US"/>
           </a:p>
@@ -1993,7 +2017,7 @@
           <a:p>
             <a:fld id="{418259CB-B7BB-4090-9C34-490633F5C250}" type="datetimeFigureOut">
               <a:rPr lang="en-US" smtClean="0"/>
-              <a:t>4/30/2018</a:t>
+              <a:t>6/22/2018</a:t>
             </a:fld>
             <a:endParaRPr lang="en-US"/>
           </a:p>
@@ -2270,7 +2294,7 @@
           <a:p>
             <a:fld id="{418259CB-B7BB-4090-9C34-490633F5C250}" type="datetimeFigureOut">
               <a:rPr lang="en-US" smtClean="0"/>
-              <a:t>4/30/2018</a:t>
+              <a:t>6/22/2018</a:t>
             </a:fld>
             <a:endParaRPr lang="en-US"/>
           </a:p>
@@ -2523,7 +2547,7 @@
           <a:p>
             <a:fld id="{418259CB-B7BB-4090-9C34-490633F5C250}" type="datetimeFigureOut">
               <a:rPr lang="en-US" smtClean="0"/>
-              <a:t>4/30/2018</a:t>
+              <a:t>6/22/2018</a:t>
             </a:fld>
             <a:endParaRPr lang="en-US"/>
           </a:p>
@@ -2736,7 +2760,7 @@
           <a:p>
             <a:fld id="{418259CB-B7BB-4090-9C34-490633F5C250}" type="datetimeFigureOut">
               <a:rPr lang="en-US" smtClean="0"/>
-              <a:t>4/30/2018</a:t>
+              <a:t>6/22/2018</a:t>
             </a:fld>
             <a:endParaRPr lang="en-US"/>
           </a:p>
@@ -3203,7 +3227,9 @@
         </p:nvSpPr>
         <p:spPr/>
         <p:txBody>
-          <a:bodyPr/>
+          <a:bodyPr>
+            <a:normAutofit fontScale="90000"/>
+          </a:bodyPr>
           <a:lstStyle/>
           <a:p>
             <a:r>
@@ -3211,14 +3237,17 @@
               <a:t>Enforce </a:t>
             </a:r>
             <a:r>
-              <a:rPr lang="en-US" dirty="0" err="1" smtClean="0"/>
-              <a:t>noninstantiability</a:t>
-            </a:r>
-            <a:r>
-              <a:rPr lang="en-US" dirty="0" smtClean="0"/>
-              <a:t> with a private constructor</a:t>
-            </a:r>
-            <a:endParaRPr lang="en-US" dirty="0"/>
+              <a:rPr lang="en-US" dirty="0"/>
+              <a:t>the singleton property with a private constructor or an </a:t>
+            </a:r>
+            <a:r>
+              <a:rPr lang="en-US" dirty="0" err="1"/>
+              <a:t>enum</a:t>
+            </a:r>
+            <a:r>
+              <a:rPr lang="en-US" dirty="0"/>
+              <a:t> type.</a:t>
+            </a:r>
           </a:p>
         </p:txBody>
       </p:sp>
@@ -3239,7 +3268,7 @@
           <a:p>
             <a:r>
               <a:rPr lang="en-US" dirty="0" smtClean="0"/>
-              <a:t>Item 4</a:t>
+              <a:t>Item3</a:t>
             </a:r>
             <a:endParaRPr lang="en-US" dirty="0"/>
           </a:p>
@@ -3248,7 +3277,7 @@
     </p:spTree>
     <p:extLst>
       <p:ext uri="{BB962C8B-B14F-4D97-AF65-F5344CB8AC3E}">
-        <p14:creationId xmlns:p14="http://schemas.microsoft.com/office/powerpoint/2010/main" val="3355223640"/>
+        <p14:creationId xmlns:p14="http://schemas.microsoft.com/office/powerpoint/2010/main" val="496893314"/>
       </p:ext>
     </p:extLst>
   </p:cSld>
@@ -3277,7 +3306,7 @@
       </p:grpSpPr>
       <p:sp>
         <p:nvSpPr>
-          <p:cNvPr id="4" name="Title 3"/>
+          <p:cNvPr id="2" name="Title 1"/>
           <p:cNvSpPr>
             <a:spLocks noGrp="1"/>
           </p:cNvSpPr>
@@ -3287,16 +3316,26 @@
         </p:nvSpPr>
         <p:spPr/>
         <p:txBody>
-          <a:bodyPr/>
-          <a:lstStyle/>
-          <a:p>
-            <a:endParaRPr lang="en-US" dirty="0"/>
-          </a:p>
-        </p:txBody>
-      </p:sp>
-      <p:sp>
-        <p:nvSpPr>
-          <p:cNvPr id="5" name="Content Placeholder 4"/>
+          <a:bodyPr>
+            <a:noAutofit/>
+          </a:bodyPr>
+          <a:lstStyle/>
+          <a:p>
+            <a:r>
+              <a:rPr lang="en-US" dirty="0" smtClean="0"/>
+              <a:t>Three</a:t>
+            </a:r>
+            <a:r>
+              <a:rPr lang="en-US" sz="3600" dirty="0" smtClean="0"/>
+              <a:t> ways to implement singleton</a:t>
+            </a:r>
+            <a:endParaRPr lang="en-US" sz="3600" dirty="0"/>
+          </a:p>
+        </p:txBody>
+      </p:sp>
+      <p:sp>
+        <p:nvSpPr>
+          <p:cNvPr id="3" name="Content Placeholder 2"/>
           <p:cNvSpPr>
             <a:spLocks noGrp="1"/>
           </p:cNvSpPr>
@@ -3304,57 +3343,293 @@
             <p:ph idx="1"/>
           </p:nvPr>
         </p:nvSpPr>
-        <p:spPr/>
-        <p:txBody>
-          <a:bodyPr/>
-          <a:lstStyle/>
-          <a:p>
-            <a:r>
-              <a:rPr lang="en-US" dirty="0" smtClean="0"/>
-              <a:t>Attempting to enforce </a:t>
-            </a:r>
+        <p:spPr>
+          <a:xfrm>
+            <a:off x="457200" y="1600200"/>
+            <a:ext cx="8229600" cy="4205064"/>
+          </a:xfrm>
+        </p:spPr>
+        <p:txBody>
+          <a:bodyPr>
+            <a:normAutofit fontScale="70000" lnSpcReduction="20000"/>
+          </a:bodyPr>
+          <a:lstStyle/>
+          <a:p>
+            <a:r>
+              <a:rPr lang="en-US" dirty="0" smtClean="0"/>
+              <a:t>Singleton with public final field</a:t>
+            </a:r>
+          </a:p>
+          <a:p>
+            <a:pPr lvl="1"/>
+            <a:r>
+              <a:rPr lang="en-US" dirty="0" smtClean="0"/>
+              <a:t>The public static field is final, so it will always contain the same object reference.</a:t>
+            </a:r>
+          </a:p>
+          <a:p>
+            <a:pPr lvl="1"/>
+            <a:r>
+              <a:rPr lang="en-US" dirty="0" smtClean="0"/>
+              <a:t>It is simpler.</a:t>
+            </a:r>
+          </a:p>
+          <a:p>
+            <a:r>
+              <a:rPr lang="en-US" dirty="0" smtClean="0"/>
+              <a:t>Singleton with static factory</a:t>
+            </a:r>
+          </a:p>
+          <a:p>
+            <a:pPr lvl="1"/>
+            <a:r>
+              <a:rPr lang="en-US" dirty="0" smtClean="0"/>
+              <a:t>Gives the flexibility to change mind about whether the class is a singleton without change its API</a:t>
+            </a:r>
+          </a:p>
+          <a:p>
+            <a:pPr lvl="1"/>
+            <a:r>
+              <a:rPr lang="en-US" dirty="0" smtClean="0"/>
+              <a:t>Can write a generic singleton factory if application requires.</a:t>
+            </a:r>
+          </a:p>
+          <a:p>
+            <a:pPr lvl="1"/>
+            <a:r>
+              <a:rPr lang="en-US" dirty="0" smtClean="0"/>
+              <a:t>A method reference can be used as a supplier.</a:t>
+            </a:r>
+          </a:p>
+          <a:p>
             <a:r>
               <a:rPr lang="en-US" dirty="0" err="1" smtClean="0"/>
-              <a:t>noninstantiability</a:t>
-            </a:r>
-            <a:r>
-              <a:rPr lang="en-US" dirty="0" smtClean="0"/>
-              <a:t> by making a class abstract does not work</a:t>
+              <a:t>Enum</a:t>
+            </a:r>
+            <a:r>
+              <a:rPr lang="en-US" dirty="0" smtClean="0"/>
+              <a:t> Singleton</a:t>
             </a:r>
           </a:p>
           <a:p>
             <a:pPr lvl="1"/>
             <a:r>
               <a:rPr lang="en-US" dirty="0" smtClean="0"/>
-              <a:t>Subclass instantiated.</a:t>
+              <a:t>May feel a bit unnatural, but a singleton-element </a:t>
+            </a:r>
+            <a:r>
+              <a:rPr lang="en-US" dirty="0" err="1" smtClean="0"/>
+              <a:t>enum</a:t>
+            </a:r>
+            <a:r>
+              <a:rPr lang="en-US" dirty="0" smtClean="0"/>
+              <a:t> type is often the best way to implement a singleton</a:t>
             </a:r>
           </a:p>
           <a:p>
             <a:pPr lvl="1"/>
             <a:r>
               <a:rPr lang="en-US" dirty="0" smtClean="0"/>
-              <a:t>It misleads into thinking the class was designed for inheritance.</a:t>
-            </a:r>
-          </a:p>
-          <a:p>
-            <a:r>
-              <a:rPr lang="en-US" dirty="0" smtClean="0"/>
-              <a:t>Siwei perspective</a:t>
-            </a:r>
-          </a:p>
-          <a:p>
-            <a:pPr lvl="1"/>
-            <a:r>
-              <a:rPr lang="en-US" dirty="0" smtClean="0"/>
-              <a:t>It is not a class, it is name-space.</a:t>
-            </a:r>
+              <a:t>Only this one is thread-safe</a:t>
+            </a:r>
+          </a:p>
+        </p:txBody>
+      </p:sp>
+      <p:sp>
+        <p:nvSpPr>
+          <p:cNvPr id="4" name="TextBox 3"/>
+          <p:cNvSpPr txBox="1"/>
+          <p:nvPr/>
+        </p:nvSpPr>
+        <p:spPr>
+          <a:xfrm>
+            <a:off x="1646185" y="1124744"/>
+            <a:ext cx="7488832" cy="400110"/>
+          </a:xfrm>
+          <a:prstGeom prst="rect">
+            <a:avLst/>
+          </a:prstGeom>
+          <a:noFill/>
+        </p:spPr>
+        <p:txBody>
+          <a:bodyPr wrap="square" rtlCol="0">
+            <a:spAutoFit/>
+          </a:bodyPr>
+          <a:lstStyle/>
+          <a:p>
+            <a:pPr marL="342900" indent="-342900">
+              <a:buFont typeface="Wingdings" panose="05000000000000000000" pitchFamily="2" charset="2"/>
+              <a:buChar char="v"/>
+            </a:pPr>
+            <a:r>
+              <a:rPr lang="en-US" sz="2000" i="1" dirty="0" smtClean="0">
+                <a:solidFill>
+                  <a:srgbClr val="FF0000"/>
+                </a:solidFill>
+                <a:effectLst>
+                  <a:outerShdw blurRad="38100" dist="38100" dir="2700000" algn="tl">
+                    <a:srgbClr val="000000">
+                      <a:alpha val="43137"/>
+                    </a:srgbClr>
+                  </a:outerShdw>
+                </a:effectLst>
+              </a:rPr>
+              <a:t>Making </a:t>
+            </a:r>
+            <a:r>
+              <a:rPr lang="en-US" sz="2000" i="1" dirty="0">
+                <a:solidFill>
+                  <a:srgbClr val="FF0000"/>
+                </a:solidFill>
+                <a:effectLst>
+                  <a:outerShdw blurRad="38100" dist="38100" dir="2700000" algn="tl">
+                    <a:srgbClr val="000000">
+                      <a:alpha val="43137"/>
+                    </a:srgbClr>
+                  </a:outerShdw>
+                </a:effectLst>
+              </a:rPr>
+              <a:t>a class a singleton can make it difficult to test its clients</a:t>
+            </a:r>
+            <a:r>
+              <a:rPr lang="en-US" sz="2000" i="1" dirty="0" smtClean="0">
+                <a:solidFill>
+                  <a:srgbClr val="FF0000"/>
+                </a:solidFill>
+                <a:effectLst>
+                  <a:outerShdw blurRad="38100" dist="38100" dir="2700000" algn="tl">
+                    <a:srgbClr val="000000">
+                      <a:alpha val="43137"/>
+                    </a:srgbClr>
+                  </a:outerShdw>
+                </a:effectLst>
+              </a:rPr>
+              <a:t>.</a:t>
+            </a:r>
+            <a:endParaRPr lang="en-US" sz="2000" i="1" dirty="0">
+              <a:solidFill>
+                <a:srgbClr val="FF0000"/>
+              </a:solidFill>
+              <a:effectLst>
+                <a:outerShdw blurRad="38100" dist="38100" dir="2700000" algn="tl">
+                  <a:srgbClr val="000000">
+                    <a:alpha val="43137"/>
+                  </a:srgbClr>
+                </a:outerShdw>
+              </a:effectLst>
+            </a:endParaRPr>
+          </a:p>
+        </p:txBody>
+      </p:sp>
+      <p:sp>
+        <p:nvSpPr>
+          <p:cNvPr id="6" name="TextBox 5"/>
+          <p:cNvSpPr txBox="1"/>
+          <p:nvPr/>
+        </p:nvSpPr>
+        <p:spPr>
+          <a:xfrm>
+            <a:off x="633702" y="5733256"/>
+            <a:ext cx="7488832" cy="923330"/>
+          </a:xfrm>
+          <a:prstGeom prst="rect">
+            <a:avLst/>
+          </a:prstGeom>
+          <a:noFill/>
+        </p:spPr>
+        <p:txBody>
+          <a:bodyPr wrap="square" rtlCol="0">
+            <a:spAutoFit/>
+          </a:bodyPr>
+          <a:lstStyle/>
+          <a:p>
+            <a:pPr algn="ctr"/>
+            <a:r>
+              <a:rPr lang="en-US" b="1" u="sng" dirty="0">
+                <a:solidFill>
+                  <a:srgbClr val="7030A0"/>
+                </a:solidFill>
+              </a:rPr>
+              <a:t>Bill-Pugh Singleton (</a:t>
+            </a:r>
+            <a:r>
+              <a:rPr lang="en-US" b="1" u="sng" dirty="0" err="1">
+                <a:solidFill>
+                  <a:srgbClr val="7030A0"/>
+                </a:solidFill>
+              </a:rPr>
+              <a:t>Siwei’s</a:t>
+            </a:r>
+            <a:r>
+              <a:rPr lang="en-US" b="1" u="sng" dirty="0">
+                <a:solidFill>
+                  <a:srgbClr val="7030A0"/>
+                </a:solidFill>
+              </a:rPr>
+              <a:t> </a:t>
+            </a:r>
+            <a:r>
+              <a:rPr lang="en-US" b="1" u="sng" dirty="0" smtClean="0">
+                <a:solidFill>
+                  <a:srgbClr val="7030A0"/>
+                </a:solidFill>
+              </a:rPr>
+              <a:t>appendix)</a:t>
+            </a:r>
+          </a:p>
+          <a:p>
+            <a:r>
+              <a:rPr lang="en-US" dirty="0" smtClean="0">
+                <a:solidFill>
+                  <a:srgbClr val="7030A0"/>
+                </a:solidFill>
+              </a:rPr>
+              <a:t>Implementation </a:t>
+            </a:r>
+            <a:r>
+              <a:rPr lang="en-US" dirty="0">
+                <a:solidFill>
+                  <a:srgbClr val="7030A0"/>
+                </a:solidFill>
+              </a:rPr>
+              <a:t>using the static inner helper class. Static inner classes are not loaded into memory until their </a:t>
+            </a:r>
+            <a:r>
+              <a:rPr lang="en-US" dirty="0" err="1">
+                <a:solidFill>
+                  <a:srgbClr val="7030A0"/>
+                </a:solidFill>
+              </a:rPr>
+              <a:t>getInstance</a:t>
+            </a:r>
+            <a:r>
+              <a:rPr lang="en-US" dirty="0">
+                <a:solidFill>
+                  <a:srgbClr val="7030A0"/>
+                </a:solidFill>
+              </a:rPr>
+              <a:t>() methods are </a:t>
+            </a:r>
+            <a:r>
+              <a:rPr lang="en-US" dirty="0" smtClean="0">
+                <a:solidFill>
+                  <a:srgbClr val="7030A0"/>
+                </a:solidFill>
+              </a:rPr>
+              <a:t>called.</a:t>
+            </a:r>
+            <a:endParaRPr lang="en-US" dirty="0">
+              <a:solidFill>
+                <a:srgbClr val="7030A0"/>
+              </a:solidFill>
+            </a:endParaRPr>
           </a:p>
         </p:txBody>
       </p:sp>
     </p:spTree>
     <p:extLst>
       <p:ext uri="{BB962C8B-B14F-4D97-AF65-F5344CB8AC3E}">
-        <p14:creationId xmlns:p14="http://schemas.microsoft.com/office/powerpoint/2010/main" val="307886621"/>
+        <p14:creationId xmlns:p14="http://schemas.microsoft.com/office/powerpoint/2010/main" val="1035104547"/>
       </p:ext>
     </p:extLst>
   </p:cSld>
@@ -3398,7 +3673,15 @@
           <a:p>
             <a:r>
               <a:rPr lang="en-US" dirty="0" smtClean="0"/>
-              <a:t>Prefer dependency injection to hardwiring resources</a:t>
+              <a:t>Enforce </a:t>
+            </a:r>
+            <a:r>
+              <a:rPr lang="en-US" dirty="0" err="1" smtClean="0"/>
+              <a:t>noninstantiability</a:t>
+            </a:r>
+            <a:r>
+              <a:rPr lang="en-US" dirty="0" smtClean="0"/>
+              <a:t> with a private constructor</a:t>
             </a:r>
             <a:endParaRPr lang="en-US" dirty="0"/>
           </a:p>
@@ -3421,15 +3704,16 @@
           <a:p>
             <a:r>
               <a:rPr lang="en-US" dirty="0" smtClean="0"/>
-              <a:t>Item 5</a:t>
-            </a:r>
+              <a:t>Item 4</a:t>
+            </a:r>
+            <a:endParaRPr lang="en-US" dirty="0"/>
           </a:p>
         </p:txBody>
       </p:sp>
     </p:spTree>
     <p:extLst>
       <p:ext uri="{BB962C8B-B14F-4D97-AF65-F5344CB8AC3E}">
-        <p14:creationId xmlns:p14="http://schemas.microsoft.com/office/powerpoint/2010/main" val="2332844253"/>
+        <p14:creationId xmlns:p14="http://schemas.microsoft.com/office/powerpoint/2010/main" val="3355223640"/>
       </p:ext>
     </p:extLst>
   </p:cSld>
@@ -3468,15 +3752,9 @@
         </p:nvSpPr>
         <p:spPr/>
         <p:txBody>
-          <a:bodyPr>
-            <a:normAutofit fontScale="90000"/>
-          </a:bodyPr>
-          <a:lstStyle/>
-          <a:p>
-            <a:r>
-              <a:rPr lang="en-US" dirty="0" smtClean="0"/>
-              <a:t>How to do while outer reference is necessary</a:t>
-            </a:r>
+          <a:bodyPr/>
+          <a:lstStyle/>
+          <a:p>
             <a:endParaRPr lang="en-US" dirty="0"/>
           </a:p>
         </p:txBody>
@@ -3493,65 +3771,55 @@
         </p:nvSpPr>
         <p:spPr/>
         <p:txBody>
-          <a:bodyPr>
-            <a:normAutofit/>
-          </a:bodyPr>
-          <a:lstStyle/>
-          <a:p>
-            <a:r>
-              <a:rPr lang="en-US" dirty="0" smtClean="0"/>
-              <a:t>Static utility or singleton</a:t>
+          <a:bodyPr/>
+          <a:lstStyle/>
+          <a:p>
+            <a:r>
+              <a:rPr lang="en-US" dirty="0" smtClean="0"/>
+              <a:t>Attempting to enforce </a:t>
+            </a:r>
+            <a:r>
+              <a:rPr lang="en-US" dirty="0" err="1" smtClean="0"/>
+              <a:t>noninstantiability</a:t>
+            </a:r>
+            <a:r>
+              <a:rPr lang="en-US" dirty="0" smtClean="0"/>
+              <a:t> by making a class abstract does not work</a:t>
             </a:r>
           </a:p>
           <a:p>
             <a:pPr lvl="1"/>
             <a:r>
               <a:rPr lang="en-US" dirty="0" smtClean="0"/>
-              <a:t>Inflexible &amp; untestable.</a:t>
+              <a:t>Subclass instantiated.</a:t>
             </a:r>
           </a:p>
           <a:p>
             <a:pPr lvl="1"/>
             <a:r>
               <a:rPr lang="en-US" dirty="0" smtClean="0"/>
-              <a:t>Inappropriate for classes whose behavior is parameterized by an underlying resource</a:t>
-            </a:r>
-          </a:p>
-          <a:p>
-            <a:r>
-              <a:rPr lang="en-US" dirty="0" smtClean="0"/>
-              <a:t>Dependency </a:t>
-            </a:r>
-            <a:r>
-              <a:rPr lang="en-US" dirty="0" smtClean="0"/>
-              <a:t>Injection</a:t>
+              <a:t>It misleads into thinking the class was designed for inheritance.</a:t>
+            </a:r>
+          </a:p>
+          <a:p>
+            <a:r>
+              <a:rPr lang="en-US" dirty="0" smtClean="0"/>
+              <a:t>Siwei perspective</a:t>
             </a:r>
           </a:p>
           <a:p>
             <a:pPr lvl="1"/>
             <a:r>
               <a:rPr lang="en-US" dirty="0" smtClean="0"/>
-              <a:t>Pass the resource into the constructor when creating a new instance.</a:t>
-            </a:r>
-          </a:p>
-          <a:p>
-            <a:pPr lvl="1"/>
-            <a:r>
-              <a:rPr lang="en-US" dirty="0" smtClean="0"/>
-              <a:t>Greatly enhance the flexibility</a:t>
-            </a:r>
-            <a:r>
-              <a:rPr lang="en-US" dirty="0" smtClean="0"/>
-              <a:t>, reusability, and testability of a class.</a:t>
-            </a:r>
-            <a:endParaRPr lang="en-US" dirty="0"/>
+              <a:t>It is not a class, it is name-space.</a:t>
+            </a:r>
           </a:p>
         </p:txBody>
       </p:sp>
     </p:spTree>
     <p:extLst>
       <p:ext uri="{BB962C8B-B14F-4D97-AF65-F5344CB8AC3E}">
-        <p14:creationId xmlns:p14="http://schemas.microsoft.com/office/powerpoint/2010/main" val="3159275199"/>
+        <p14:creationId xmlns:p14="http://schemas.microsoft.com/office/powerpoint/2010/main" val="307886621"/>
       </p:ext>
     </p:extLst>
   </p:cSld>
@@ -3594,9 +3862,10 @@
           <a:lstStyle/>
           <a:p>
             <a:r>
-              <a:rPr lang="en-US" dirty="0"/>
-              <a:t>Avoid creating unnecessary objects</a:t>
-            </a:r>
+              <a:rPr lang="en-US" dirty="0" smtClean="0"/>
+              <a:t>Prefer dependency injection to hardwiring resources</a:t>
+            </a:r>
+            <a:endParaRPr lang="en-US" dirty="0"/>
           </a:p>
         </p:txBody>
       </p:sp>
@@ -3617,16 +3886,15 @@
           <a:p>
             <a:r>
               <a:rPr lang="en-US" dirty="0" smtClean="0"/>
-              <a:t>Item 6</a:t>
-            </a:r>
-            <a:endParaRPr lang="en-US" dirty="0"/>
+              <a:t>Item 5</a:t>
+            </a:r>
           </a:p>
         </p:txBody>
       </p:sp>
     </p:spTree>
     <p:extLst>
       <p:ext uri="{BB962C8B-B14F-4D97-AF65-F5344CB8AC3E}">
-        <p14:creationId xmlns:p14="http://schemas.microsoft.com/office/powerpoint/2010/main" val="1957623035"/>
+        <p14:creationId xmlns:p14="http://schemas.microsoft.com/office/powerpoint/2010/main" val="2332844253"/>
       </p:ext>
     </p:extLst>
   </p:cSld>
@@ -3665,10 +3933,16 @@
         </p:nvSpPr>
         <p:spPr/>
         <p:txBody>
-          <a:bodyPr/>
-          <a:lstStyle/>
-          <a:p>
-            <a:endParaRPr lang="en-US"/>
+          <a:bodyPr>
+            <a:normAutofit fontScale="90000"/>
+          </a:bodyPr>
+          <a:lstStyle/>
+          <a:p>
+            <a:r>
+              <a:rPr lang="en-US" dirty="0" smtClean="0"/>
+              <a:t>How to do while outer reference is necessary</a:t>
+            </a:r>
+            <a:endParaRPr lang="en-US" dirty="0"/>
           </a:p>
         </p:txBody>
       </p:sp>
@@ -3685,31 +3959,47 @@
         <p:spPr/>
         <p:txBody>
           <a:bodyPr>
-            <a:normAutofit fontScale="92500" lnSpcReduction="10000"/>
+            <a:normAutofit/>
           </a:bodyPr>
           <a:lstStyle/>
           <a:p>
             <a:r>
               <a:rPr lang="en-US" dirty="0" smtClean="0"/>
-              <a:t>Reusing expensive object for improve performance</a:t>
-            </a:r>
-          </a:p>
-          <a:p>
-            <a:r>
-              <a:rPr lang="en-US" dirty="0" smtClean="0"/>
-              <a:t>Lazily initializing is not recommended because it will complicate the implementation with no measureable performance improvement.</a:t>
-            </a:r>
-          </a:p>
-          <a:p>
-            <a:r>
-              <a:rPr lang="en-US" dirty="0" smtClean="0"/>
-              <a:t>Auto-boxing blurs but does not erase the distinction between primitive and boxed primitive types.</a:t>
-            </a:r>
-          </a:p>
-          <a:p>
-            <a:r>
-              <a:rPr lang="en-US" dirty="0" smtClean="0"/>
-              <a:t>Prefer primitives to boxed primitives and watch out for unintentional auto-boxing</a:t>
+              <a:t>Static utility or singleton</a:t>
+            </a:r>
+          </a:p>
+          <a:p>
+            <a:pPr lvl="1"/>
+            <a:r>
+              <a:rPr lang="en-US" dirty="0" smtClean="0"/>
+              <a:t>Inflexible &amp; untestable.</a:t>
+            </a:r>
+          </a:p>
+          <a:p>
+            <a:pPr lvl="1"/>
+            <a:r>
+              <a:rPr lang="en-US" dirty="0" smtClean="0"/>
+              <a:t>Inappropriate for classes whose behavior is parameterized by an underlying resource</a:t>
+            </a:r>
+          </a:p>
+          <a:p>
+            <a:r>
+              <a:rPr lang="en-US" dirty="0" smtClean="0"/>
+              <a:t>Dependency Injection</a:t>
+            </a:r>
+          </a:p>
+          <a:p>
+            <a:pPr lvl="1"/>
+            <a:r>
+              <a:rPr lang="en-US" dirty="0" smtClean="0"/>
+              <a:t>Pass the resource into the constructor when creating a new instance.</a:t>
+            </a:r>
+          </a:p>
+          <a:p>
+            <a:pPr lvl="1"/>
+            <a:r>
+              <a:rPr lang="en-US" dirty="0" smtClean="0"/>
+              <a:t>Greatly enhance the flexibility, reusability, and testability of a class.</a:t>
             </a:r>
             <a:endParaRPr lang="en-US" dirty="0"/>
           </a:p>
@@ -3718,7 +4008,7 @@
     </p:spTree>
     <p:extLst>
       <p:ext uri="{BB962C8B-B14F-4D97-AF65-F5344CB8AC3E}">
-        <p14:creationId xmlns:p14="http://schemas.microsoft.com/office/powerpoint/2010/main" val="1518424698"/>
+        <p14:creationId xmlns:p14="http://schemas.microsoft.com/office/powerpoint/2010/main" val="3159275199"/>
       </p:ext>
     </p:extLst>
   </p:cSld>
@@ -3762,6 +4052,173 @@
           <a:p>
             <a:r>
               <a:rPr lang="en-US" dirty="0"/>
+              <a:t>Avoid creating unnecessary objects</a:t>
+            </a:r>
+          </a:p>
+        </p:txBody>
+      </p:sp>
+      <p:sp>
+        <p:nvSpPr>
+          <p:cNvPr id="5" name="Text Placeholder 4"/>
+          <p:cNvSpPr>
+            <a:spLocks noGrp="1"/>
+          </p:cNvSpPr>
+          <p:nvPr>
+            <p:ph type="body" idx="1"/>
+          </p:nvPr>
+        </p:nvSpPr>
+        <p:spPr/>
+        <p:txBody>
+          <a:bodyPr/>
+          <a:lstStyle/>
+          <a:p>
+            <a:r>
+              <a:rPr lang="en-US" dirty="0" smtClean="0"/>
+              <a:t>Item 6</a:t>
+            </a:r>
+            <a:endParaRPr lang="en-US" dirty="0"/>
+          </a:p>
+        </p:txBody>
+      </p:sp>
+    </p:spTree>
+    <p:extLst>
+      <p:ext uri="{BB962C8B-B14F-4D97-AF65-F5344CB8AC3E}">
+        <p14:creationId xmlns:p14="http://schemas.microsoft.com/office/powerpoint/2010/main" val="1957623035"/>
+      </p:ext>
+    </p:extLst>
+  </p:cSld>
+  <p:clrMapOvr>
+    <a:masterClrMapping/>
+  </p:clrMapOvr>
+</p:sld>
+</file>
+
+<file path=ppt/slides/slide17.xml><?xml version="1.0" encoding="utf-8"?>
+<p:sld xmlns:a="http://schemas.openxmlformats.org/drawingml/2006/main" xmlns:r="http://schemas.openxmlformats.org/officeDocument/2006/relationships" xmlns:p="http://schemas.openxmlformats.org/presentationml/2006/main">
+  <p:cSld>
+    <p:spTree>
+      <p:nvGrpSpPr>
+        <p:cNvPr id="1" name=""/>
+        <p:cNvGrpSpPr/>
+        <p:nvPr/>
+      </p:nvGrpSpPr>
+      <p:grpSpPr>
+        <a:xfrm>
+          <a:off x="0" y="0"/>
+          <a:ext cx="0" cy="0"/>
+          <a:chOff x="0" y="0"/>
+          <a:chExt cx="0" cy="0"/>
+        </a:xfrm>
+      </p:grpSpPr>
+      <p:sp>
+        <p:nvSpPr>
+          <p:cNvPr id="4" name="Title 3"/>
+          <p:cNvSpPr>
+            <a:spLocks noGrp="1"/>
+          </p:cNvSpPr>
+          <p:nvPr>
+            <p:ph type="title"/>
+          </p:nvPr>
+        </p:nvSpPr>
+        <p:spPr/>
+        <p:txBody>
+          <a:bodyPr/>
+          <a:lstStyle/>
+          <a:p>
+            <a:endParaRPr lang="en-US"/>
+          </a:p>
+        </p:txBody>
+      </p:sp>
+      <p:sp>
+        <p:nvSpPr>
+          <p:cNvPr id="5" name="Content Placeholder 4"/>
+          <p:cNvSpPr>
+            <a:spLocks noGrp="1"/>
+          </p:cNvSpPr>
+          <p:nvPr>
+            <p:ph idx="1"/>
+          </p:nvPr>
+        </p:nvSpPr>
+        <p:spPr/>
+        <p:txBody>
+          <a:bodyPr>
+            <a:normAutofit fontScale="92500" lnSpcReduction="10000"/>
+          </a:bodyPr>
+          <a:lstStyle/>
+          <a:p>
+            <a:r>
+              <a:rPr lang="en-US" dirty="0" smtClean="0"/>
+              <a:t>Reusing expensive object for improve performance</a:t>
+            </a:r>
+          </a:p>
+          <a:p>
+            <a:r>
+              <a:rPr lang="en-US" dirty="0" smtClean="0"/>
+              <a:t>Lazily initializing is not recommended because it will complicate the implementation with no measureable performance improvement.</a:t>
+            </a:r>
+          </a:p>
+          <a:p>
+            <a:r>
+              <a:rPr lang="en-US" dirty="0" smtClean="0"/>
+              <a:t>Auto-boxing blurs but does not erase the distinction between primitive and boxed primitive types.</a:t>
+            </a:r>
+          </a:p>
+          <a:p>
+            <a:r>
+              <a:rPr lang="en-US" dirty="0" smtClean="0"/>
+              <a:t>Prefer primitives to boxed primitives and watch out for unintentional auto-boxing</a:t>
+            </a:r>
+            <a:endParaRPr lang="en-US" dirty="0"/>
+          </a:p>
+        </p:txBody>
+      </p:sp>
+    </p:spTree>
+    <p:extLst>
+      <p:ext uri="{BB962C8B-B14F-4D97-AF65-F5344CB8AC3E}">
+        <p14:creationId xmlns:p14="http://schemas.microsoft.com/office/powerpoint/2010/main" val="1518424698"/>
+      </p:ext>
+    </p:extLst>
+  </p:cSld>
+  <p:clrMapOvr>
+    <a:masterClrMapping/>
+  </p:clrMapOvr>
+</p:sld>
+</file>
+
+<file path=ppt/slides/slide18.xml><?xml version="1.0" encoding="utf-8"?>
+<p:sld xmlns:a="http://schemas.openxmlformats.org/drawingml/2006/main" xmlns:r="http://schemas.openxmlformats.org/officeDocument/2006/relationships" xmlns:p="http://schemas.openxmlformats.org/presentationml/2006/main">
+  <p:cSld>
+    <p:spTree>
+      <p:nvGrpSpPr>
+        <p:cNvPr id="1" name=""/>
+        <p:cNvGrpSpPr/>
+        <p:nvPr/>
+      </p:nvGrpSpPr>
+      <p:grpSpPr>
+        <a:xfrm>
+          <a:off x="0" y="0"/>
+          <a:ext cx="0" cy="0"/>
+          <a:chOff x="0" y="0"/>
+          <a:chExt cx="0" cy="0"/>
+        </a:xfrm>
+      </p:grpSpPr>
+      <p:sp>
+        <p:nvSpPr>
+          <p:cNvPr id="4" name="Title 3"/>
+          <p:cNvSpPr>
+            <a:spLocks noGrp="1"/>
+          </p:cNvSpPr>
+          <p:nvPr>
+            <p:ph type="title"/>
+          </p:nvPr>
+        </p:nvSpPr>
+        <p:spPr/>
+        <p:txBody>
+          <a:bodyPr/>
+          <a:lstStyle/>
+          <a:p>
+            <a:r>
+              <a:rPr lang="en-US" dirty="0"/>
               <a:t>Eliminate obsolete object references</a:t>
             </a:r>
           </a:p>
@@ -3803,7 +4260,7 @@
 </p:sld>
 </file>
 
-<file path=ppt/slides/slide17.xml><?xml version="1.0" encoding="utf-8"?>
+<file path=ppt/slides/slide19.xml><?xml version="1.0" encoding="utf-8"?>
 <p:sld xmlns:a="http://schemas.openxmlformats.org/drawingml/2006/main" xmlns:r="http://schemas.openxmlformats.org/officeDocument/2006/relationships" xmlns:p="http://schemas.openxmlformats.org/presentationml/2006/main">
   <p:cSld>
     <p:spTree>
@@ -3914,7 +4371,7 @@
       </p:grpSpPr>
       <p:sp>
         <p:nvSpPr>
-          <p:cNvPr id="4" name="Title 3"/>
+          <p:cNvPr id="2" name="Title 1"/>
           <p:cNvSpPr>
             <a:spLocks noGrp="1"/>
           </p:cNvSpPr>
@@ -3929,7 +4386,7 @@
           <a:p>
             <a:r>
               <a:rPr lang="en-US" dirty="0" smtClean="0"/>
-              <a:t>Creating &amp; destroying objects</a:t>
+              <a:t>Preface</a:t>
             </a:r>
             <a:endParaRPr lang="en-US" dirty="0"/>
           </a:p>
@@ -3937,27 +4394,894 @@
       </p:sp>
       <p:sp>
         <p:nvSpPr>
-          <p:cNvPr id="5" name="Text Placeholder 4"/>
-          <p:cNvSpPr>
-            <a:spLocks noGrp="1"/>
-          </p:cNvSpPr>
-          <p:nvPr>
-            <p:ph type="body" idx="1"/>
-          </p:nvPr>
-        </p:nvSpPr>
-        <p:spPr/>
-        <p:txBody>
-          <a:bodyPr/>
-          <a:lstStyle/>
-          <a:p>
+          <p:cNvPr id="3" name="Content Placeholder 2"/>
+          <p:cNvSpPr>
+            <a:spLocks noGrp="1"/>
+          </p:cNvSpPr>
+          <p:nvPr>
+            <p:ph idx="1"/>
+          </p:nvPr>
+        </p:nvSpPr>
+        <p:spPr/>
+        <p:txBody>
+          <a:bodyPr/>
+          <a:lstStyle/>
+          <a:p>
+            <a:r>
+              <a:rPr lang="en-US" dirty="0" smtClean="0"/>
+              <a:t>Start new project with Spring-boot + </a:t>
+            </a:r>
+            <a:r>
+              <a:rPr lang="en-US" dirty="0" err="1" smtClean="0"/>
+              <a:t>Gradle</a:t>
+            </a:r>
+            <a:r>
+              <a:rPr lang="en-US" dirty="0" smtClean="0"/>
+              <a:t> via </a:t>
+            </a:r>
+            <a:r>
+              <a:rPr lang="en-US" b="1" cap="all" dirty="0">
+                <a:solidFill>
+                  <a:srgbClr val="FF0000"/>
+                </a:solidFill>
+              </a:rPr>
+              <a:t>SPRING </a:t>
+            </a:r>
+            <a:r>
+              <a:rPr lang="en-US" b="1" cap="all" dirty="0" smtClean="0">
+                <a:solidFill>
+                  <a:srgbClr val="FF0000"/>
+                </a:solidFill>
+              </a:rPr>
+              <a:t>INITIALIZR</a:t>
+            </a:r>
+            <a:endParaRPr lang="en-US" b="1" cap="all" dirty="0">
+              <a:solidFill>
+                <a:srgbClr val="FF0000"/>
+              </a:solidFill>
+            </a:endParaRPr>
+          </a:p>
+          <a:p>
+            <a:pPr lvl="1"/>
+            <a:r>
+              <a:rPr lang="en-US" dirty="0">
+                <a:hlinkClick r:id="rId2"/>
+              </a:rPr>
+              <a:t>https://</a:t>
+            </a:r>
+            <a:r>
+              <a:rPr lang="en-US" dirty="0" smtClean="0">
+                <a:hlinkClick r:id="rId2"/>
+              </a:rPr>
+              <a:t>start.spring.io</a:t>
+            </a:r>
+            <a:r>
+              <a:rPr lang="en-US" dirty="0">
+                <a:hlinkClick r:id="rId2"/>
+              </a:rPr>
+              <a:t>/</a:t>
+            </a:r>
             <a:endParaRPr lang="en-US" dirty="0"/>
+          </a:p>
+          <a:p>
+            <a:r>
+              <a:rPr lang="en-US" dirty="0" err="1" smtClean="0"/>
+              <a:t>GoF</a:t>
+            </a:r>
+            <a:r>
+              <a:rPr lang="en-US" dirty="0" smtClean="0"/>
+              <a:t> Design Patterns’ slide &amp; demo code</a:t>
+            </a:r>
+          </a:p>
+          <a:p>
+            <a:pPr lvl="1"/>
+            <a:r>
+              <a:rPr lang="en-US" dirty="0">
+                <a:hlinkClick r:id="rId3"/>
+              </a:rPr>
+              <a:t>https://github.com/wsw621012/DesignPatterns</a:t>
+            </a:r>
+            <a:endParaRPr lang="en-US" dirty="0"/>
+          </a:p>
+          <a:p>
+            <a:r>
+              <a:rPr lang="en-US" dirty="0" smtClean="0"/>
+              <a:t>Effective Java 3</a:t>
+            </a:r>
+            <a:r>
+              <a:rPr lang="en-US" baseline="30000" dirty="0" smtClean="0"/>
+              <a:t>rd</a:t>
+            </a:r>
+            <a:r>
+              <a:rPr lang="en-US" dirty="0" smtClean="0"/>
+              <a:t> edition, (on progressing… )</a:t>
+            </a:r>
+          </a:p>
+          <a:p>
+            <a:pPr lvl="1"/>
+            <a:r>
+              <a:rPr lang="en-US" dirty="0">
+                <a:hlinkClick r:id="rId4"/>
+              </a:rPr>
+              <a:t>https://github.com/wsw621012/EffectiveJava3</a:t>
+            </a:r>
+            <a:endParaRPr lang="en-US" dirty="0"/>
+          </a:p>
+          <a:p>
+            <a:r>
+              <a:rPr lang="en-US" dirty="0" smtClean="0"/>
+              <a:t>Exercise by yourselves.</a:t>
+            </a:r>
           </a:p>
         </p:txBody>
       </p:sp>
     </p:spTree>
     <p:extLst>
       <p:ext uri="{BB962C8B-B14F-4D97-AF65-F5344CB8AC3E}">
-        <p14:creationId xmlns:p14="http://schemas.microsoft.com/office/powerpoint/2010/main" val="3802759192"/>
+        <p14:creationId xmlns:p14="http://schemas.microsoft.com/office/powerpoint/2010/main" val="2833374233"/>
+      </p:ext>
+    </p:extLst>
+  </p:cSld>
+  <p:clrMapOvr>
+    <a:masterClrMapping/>
+  </p:clrMapOvr>
+  <p:timing>
+    <p:tnLst>
+      <p:par>
+        <p:cTn id="1" dur="indefinite" restart="never" nodeType="tmRoot"/>
+      </p:par>
+    </p:tnLst>
+  </p:timing>
+</p:sld>
+</file>
+
+<file path=ppt/slides/slide20.xml><?xml version="1.0" encoding="utf-8"?>
+<p:sld xmlns:a="http://schemas.openxmlformats.org/drawingml/2006/main" xmlns:r="http://schemas.openxmlformats.org/officeDocument/2006/relationships" xmlns:p="http://schemas.openxmlformats.org/presentationml/2006/main">
+  <p:cSld>
+    <p:spTree>
+      <p:nvGrpSpPr>
+        <p:cNvPr id="1" name=""/>
+        <p:cNvGrpSpPr/>
+        <p:nvPr/>
+      </p:nvGrpSpPr>
+      <p:grpSpPr>
+        <a:xfrm>
+          <a:off x="0" y="0"/>
+          <a:ext cx="0" cy="0"/>
+          <a:chOff x="0" y="0"/>
+          <a:chExt cx="0" cy="0"/>
+        </a:xfrm>
+      </p:grpSpPr>
+      <p:sp>
+        <p:nvSpPr>
+          <p:cNvPr id="4" name="Title 3"/>
+          <p:cNvSpPr>
+            <a:spLocks noGrp="1"/>
+          </p:cNvSpPr>
+          <p:nvPr>
+            <p:ph type="title"/>
+          </p:nvPr>
+        </p:nvSpPr>
+        <p:spPr/>
+        <p:txBody>
+          <a:bodyPr/>
+          <a:lstStyle/>
+          <a:p>
+            <a:r>
+              <a:rPr lang="en-US" dirty="0" smtClean="0"/>
+              <a:t>Avoid finalizers and cleaners</a:t>
+            </a:r>
+            <a:endParaRPr lang="en-US" dirty="0"/>
+          </a:p>
+        </p:txBody>
+      </p:sp>
+      <p:sp>
+        <p:nvSpPr>
+          <p:cNvPr id="5" name="Text Placeholder 4"/>
+          <p:cNvSpPr>
+            <a:spLocks noGrp="1"/>
+          </p:cNvSpPr>
+          <p:nvPr>
+            <p:ph type="body" idx="1"/>
+          </p:nvPr>
+        </p:nvSpPr>
+        <p:spPr/>
+        <p:txBody>
+          <a:bodyPr/>
+          <a:lstStyle/>
+          <a:p>
+            <a:r>
+              <a:rPr lang="en-US" dirty="0" smtClean="0"/>
+              <a:t>Item 8</a:t>
+            </a:r>
+            <a:endParaRPr lang="en-US" dirty="0"/>
+          </a:p>
+        </p:txBody>
+      </p:sp>
+    </p:spTree>
+    <p:extLst>
+      <p:ext uri="{BB962C8B-B14F-4D97-AF65-F5344CB8AC3E}">
+        <p14:creationId xmlns:p14="http://schemas.microsoft.com/office/powerpoint/2010/main" val="551576611"/>
+      </p:ext>
+    </p:extLst>
+  </p:cSld>
+  <p:clrMapOvr>
+    <a:masterClrMapping/>
+  </p:clrMapOvr>
+</p:sld>
+</file>
+
+<file path=ppt/slides/slide21.xml><?xml version="1.0" encoding="utf-8"?>
+<p:sld xmlns:a="http://schemas.openxmlformats.org/drawingml/2006/main" xmlns:r="http://schemas.openxmlformats.org/officeDocument/2006/relationships" xmlns:p="http://schemas.openxmlformats.org/presentationml/2006/main">
+  <p:cSld>
+    <p:spTree>
+      <p:nvGrpSpPr>
+        <p:cNvPr id="1" name=""/>
+        <p:cNvGrpSpPr/>
+        <p:nvPr/>
+      </p:nvGrpSpPr>
+      <p:grpSpPr>
+        <a:xfrm>
+          <a:off x="0" y="0"/>
+          <a:ext cx="0" cy="0"/>
+          <a:chOff x="0" y="0"/>
+          <a:chExt cx="0" cy="0"/>
+        </a:xfrm>
+      </p:grpSpPr>
+      <p:sp>
+        <p:nvSpPr>
+          <p:cNvPr id="2" name="Title 1"/>
+          <p:cNvSpPr>
+            <a:spLocks noGrp="1"/>
+          </p:cNvSpPr>
+          <p:nvPr>
+            <p:ph type="title"/>
+          </p:nvPr>
+        </p:nvSpPr>
+        <p:spPr/>
+        <p:txBody>
+          <a:bodyPr/>
+          <a:lstStyle/>
+          <a:p>
+            <a:r>
+              <a:rPr lang="en-US" dirty="0" smtClean="0"/>
+              <a:t>Prefer try-with-resources to try-finally</a:t>
+            </a:r>
+            <a:endParaRPr lang="en-US" dirty="0"/>
+          </a:p>
+        </p:txBody>
+      </p:sp>
+      <p:sp>
+        <p:nvSpPr>
+          <p:cNvPr id="3" name="Text Placeholder 2"/>
+          <p:cNvSpPr>
+            <a:spLocks noGrp="1"/>
+          </p:cNvSpPr>
+          <p:nvPr>
+            <p:ph type="body" idx="1"/>
+          </p:nvPr>
+        </p:nvSpPr>
+        <p:spPr/>
+        <p:txBody>
+          <a:bodyPr/>
+          <a:lstStyle/>
+          <a:p>
+            <a:r>
+              <a:rPr lang="en-US" dirty="0" smtClean="0"/>
+              <a:t>Item 9</a:t>
+            </a:r>
+            <a:endParaRPr lang="en-US" dirty="0"/>
+          </a:p>
+        </p:txBody>
+      </p:sp>
+    </p:spTree>
+    <p:extLst>
+      <p:ext uri="{BB962C8B-B14F-4D97-AF65-F5344CB8AC3E}">
+        <p14:creationId xmlns:p14="http://schemas.microsoft.com/office/powerpoint/2010/main" val="1316031229"/>
+      </p:ext>
+    </p:extLst>
+  </p:cSld>
+  <p:clrMapOvr>
+    <a:masterClrMapping/>
+  </p:clrMapOvr>
+</p:sld>
+</file>
+
+<file path=ppt/slides/slide22.xml><?xml version="1.0" encoding="utf-8"?>
+<p:sld xmlns:a="http://schemas.openxmlformats.org/drawingml/2006/main" xmlns:r="http://schemas.openxmlformats.org/officeDocument/2006/relationships" xmlns:p="http://schemas.openxmlformats.org/presentationml/2006/main">
+  <p:cSld>
+    <p:spTree>
+      <p:nvGrpSpPr>
+        <p:cNvPr id="1" name=""/>
+        <p:cNvGrpSpPr/>
+        <p:nvPr/>
+      </p:nvGrpSpPr>
+      <p:grpSpPr>
+        <a:xfrm>
+          <a:off x="0" y="0"/>
+          <a:ext cx="0" cy="0"/>
+          <a:chOff x="0" y="0"/>
+          <a:chExt cx="0" cy="0"/>
+        </a:xfrm>
+      </p:grpSpPr>
+      <p:sp>
+        <p:nvSpPr>
+          <p:cNvPr id="2" name="Title 1"/>
+          <p:cNvSpPr>
+            <a:spLocks noGrp="1"/>
+          </p:cNvSpPr>
+          <p:nvPr>
+            <p:ph type="title"/>
+          </p:nvPr>
+        </p:nvSpPr>
+        <p:spPr/>
+        <p:txBody>
+          <a:bodyPr/>
+          <a:lstStyle/>
+          <a:p>
+            <a:r>
+              <a:rPr lang="en-US" dirty="0" smtClean="0"/>
+              <a:t>Methods common to all objects</a:t>
+            </a:r>
+            <a:endParaRPr lang="en-US" dirty="0"/>
+          </a:p>
+        </p:txBody>
+      </p:sp>
+      <p:sp>
+        <p:nvSpPr>
+          <p:cNvPr id="3" name="Text Placeholder 2"/>
+          <p:cNvSpPr>
+            <a:spLocks noGrp="1"/>
+          </p:cNvSpPr>
+          <p:nvPr>
+            <p:ph type="body" idx="1"/>
+          </p:nvPr>
+        </p:nvSpPr>
+        <p:spPr/>
+        <p:txBody>
+          <a:bodyPr/>
+          <a:lstStyle/>
+          <a:p>
+            <a:r>
+              <a:rPr lang="en-US" dirty="0" smtClean="0"/>
+              <a:t>Chapter 3</a:t>
+            </a:r>
+            <a:endParaRPr lang="en-US" dirty="0"/>
+          </a:p>
+        </p:txBody>
+      </p:sp>
+    </p:spTree>
+    <p:extLst>
+      <p:ext uri="{BB962C8B-B14F-4D97-AF65-F5344CB8AC3E}">
+        <p14:creationId xmlns:p14="http://schemas.microsoft.com/office/powerpoint/2010/main" val="769035709"/>
+      </p:ext>
+    </p:extLst>
+  </p:cSld>
+  <p:clrMapOvr>
+    <a:masterClrMapping/>
+  </p:clrMapOvr>
+</p:sld>
+</file>
+
+<file path=ppt/slides/slide23.xml><?xml version="1.0" encoding="utf-8"?>
+<p:sld xmlns:a="http://schemas.openxmlformats.org/drawingml/2006/main" xmlns:r="http://schemas.openxmlformats.org/officeDocument/2006/relationships" xmlns:p="http://schemas.openxmlformats.org/presentationml/2006/main">
+  <p:cSld>
+    <p:spTree>
+      <p:nvGrpSpPr>
+        <p:cNvPr id="1" name=""/>
+        <p:cNvGrpSpPr/>
+        <p:nvPr/>
+      </p:nvGrpSpPr>
+      <p:grpSpPr>
+        <a:xfrm>
+          <a:off x="0" y="0"/>
+          <a:ext cx="0" cy="0"/>
+          <a:chOff x="0" y="0"/>
+          <a:chExt cx="0" cy="0"/>
+        </a:xfrm>
+      </p:grpSpPr>
+      <p:sp>
+        <p:nvSpPr>
+          <p:cNvPr id="2" name="Title 1"/>
+          <p:cNvSpPr>
+            <a:spLocks noGrp="1"/>
+          </p:cNvSpPr>
+          <p:nvPr>
+            <p:ph type="title"/>
+          </p:nvPr>
+        </p:nvSpPr>
+        <p:spPr/>
+        <p:txBody>
+          <a:bodyPr/>
+          <a:lstStyle/>
+          <a:p>
+            <a:r>
+              <a:rPr lang="en-US" dirty="0" smtClean="0"/>
+              <a:t>Obey the general contract when overriding equals</a:t>
+            </a:r>
+            <a:endParaRPr lang="en-US" dirty="0"/>
+          </a:p>
+        </p:txBody>
+      </p:sp>
+      <p:sp>
+        <p:nvSpPr>
+          <p:cNvPr id="3" name="Text Placeholder 2"/>
+          <p:cNvSpPr>
+            <a:spLocks noGrp="1"/>
+          </p:cNvSpPr>
+          <p:nvPr>
+            <p:ph type="body" idx="1"/>
+          </p:nvPr>
+        </p:nvSpPr>
+        <p:spPr/>
+        <p:txBody>
+          <a:bodyPr/>
+          <a:lstStyle/>
+          <a:p>
+            <a:r>
+              <a:rPr lang="en-US" dirty="0" smtClean="0"/>
+              <a:t>Item 10</a:t>
+            </a:r>
+            <a:endParaRPr lang="en-US" dirty="0"/>
+          </a:p>
+        </p:txBody>
+      </p:sp>
+    </p:spTree>
+    <p:extLst>
+      <p:ext uri="{BB962C8B-B14F-4D97-AF65-F5344CB8AC3E}">
+        <p14:creationId xmlns:p14="http://schemas.microsoft.com/office/powerpoint/2010/main" val="1000118466"/>
+      </p:ext>
+    </p:extLst>
+  </p:cSld>
+  <p:clrMapOvr>
+    <a:masterClrMapping/>
+  </p:clrMapOvr>
+</p:sld>
+</file>
+
+<file path=ppt/slides/slide24.xml><?xml version="1.0" encoding="utf-8"?>
+<p:sld xmlns:a="http://schemas.openxmlformats.org/drawingml/2006/main" xmlns:r="http://schemas.openxmlformats.org/officeDocument/2006/relationships" xmlns:p="http://schemas.openxmlformats.org/presentationml/2006/main">
+  <p:cSld>
+    <p:spTree>
+      <p:nvGrpSpPr>
+        <p:cNvPr id="1" name=""/>
+        <p:cNvGrpSpPr/>
+        <p:nvPr/>
+      </p:nvGrpSpPr>
+      <p:grpSpPr>
+        <a:xfrm>
+          <a:off x="0" y="0"/>
+          <a:ext cx="0" cy="0"/>
+          <a:chOff x="0" y="0"/>
+          <a:chExt cx="0" cy="0"/>
+        </a:xfrm>
+      </p:grpSpPr>
+      <p:sp>
+        <p:nvSpPr>
+          <p:cNvPr id="4" name="Title 3"/>
+          <p:cNvSpPr>
+            <a:spLocks noGrp="1"/>
+          </p:cNvSpPr>
+          <p:nvPr>
+            <p:ph type="title"/>
+          </p:nvPr>
+        </p:nvSpPr>
+        <p:spPr/>
+        <p:txBody>
+          <a:bodyPr>
+            <a:normAutofit fontScale="90000"/>
+          </a:bodyPr>
+          <a:lstStyle/>
+          <a:p>
+            <a:r>
+              <a:rPr lang="en-US" dirty="0" smtClean="0"/>
+              <a:t>NOT to override “equals” method as possible</a:t>
+            </a:r>
+            <a:endParaRPr lang="en-US" dirty="0"/>
+          </a:p>
+        </p:txBody>
+      </p:sp>
+      <p:sp>
+        <p:nvSpPr>
+          <p:cNvPr id="5" name="Content Placeholder 4"/>
+          <p:cNvSpPr>
+            <a:spLocks noGrp="1"/>
+          </p:cNvSpPr>
+          <p:nvPr>
+            <p:ph idx="1"/>
+          </p:nvPr>
+        </p:nvSpPr>
+        <p:spPr/>
+        <p:txBody>
+          <a:bodyPr>
+            <a:normAutofit fontScale="85000" lnSpcReduction="10000"/>
+          </a:bodyPr>
+          <a:lstStyle/>
+          <a:p>
+            <a:r>
+              <a:rPr lang="en-US" dirty="0" smtClean="0"/>
+              <a:t>Each </a:t>
+            </a:r>
+            <a:r>
+              <a:rPr lang="en-US" dirty="0" smtClean="0"/>
+              <a:t>instance of the class is inherently unique</a:t>
+            </a:r>
+            <a:r>
+              <a:rPr lang="en-US" dirty="0" smtClean="0"/>
+              <a:t>.</a:t>
+            </a:r>
+          </a:p>
+          <a:p>
+            <a:pPr lvl="1"/>
+            <a:r>
+              <a:rPr lang="en-US" dirty="0" smtClean="0"/>
+              <a:t>i.e. “Thread” </a:t>
+            </a:r>
+            <a:r>
+              <a:rPr lang="en-US" dirty="0" smtClean="0"/>
+              <a:t>represent active entities rather than value.</a:t>
+            </a:r>
+            <a:endParaRPr lang="en-US" dirty="0" smtClean="0"/>
+          </a:p>
+          <a:p>
+            <a:r>
+              <a:rPr lang="en-US" dirty="0" smtClean="0"/>
+              <a:t>There is no need for the class to provide a “logical equality” test</a:t>
+            </a:r>
+            <a:r>
+              <a:rPr lang="en-US" dirty="0" smtClean="0"/>
+              <a:t>.</a:t>
+            </a:r>
+          </a:p>
+          <a:p>
+            <a:pPr lvl="1"/>
+            <a:r>
+              <a:rPr lang="en-US" dirty="0" smtClean="0"/>
+              <a:t>i.e. “</a:t>
+            </a:r>
+            <a:r>
+              <a:rPr lang="en-US" dirty="0" err="1" smtClean="0"/>
+              <a:t>java.util.regex.Pattern</a:t>
+            </a:r>
+            <a:r>
+              <a:rPr lang="en-US" dirty="0" smtClean="0"/>
+              <a:t>”, override “equals” to check same regex is not necessary.</a:t>
+            </a:r>
+            <a:endParaRPr lang="en-US" dirty="0" smtClean="0"/>
+          </a:p>
+          <a:p>
+            <a:r>
+              <a:rPr lang="en-US" dirty="0" smtClean="0"/>
+              <a:t>A superclass has already overridden equals, and the superclass behavior is appropriate for this class</a:t>
+            </a:r>
+            <a:r>
+              <a:rPr lang="en-US" dirty="0" smtClean="0"/>
+              <a:t>.</a:t>
+            </a:r>
+          </a:p>
+          <a:p>
+            <a:pPr lvl="1"/>
+            <a:r>
+              <a:rPr lang="en-US" dirty="0" smtClean="0"/>
+              <a:t>i.e. Set, List, Map, …etc.</a:t>
+            </a:r>
+            <a:endParaRPr lang="en-US" dirty="0" smtClean="0"/>
+          </a:p>
+          <a:p>
+            <a:r>
+              <a:rPr lang="en-US" dirty="0" smtClean="0"/>
+              <a:t>The class is private or package-private, and you are certain that its equals method will never be invoked</a:t>
+            </a:r>
+            <a:r>
+              <a:rPr lang="en-US" dirty="0" smtClean="0"/>
+              <a:t>.</a:t>
+            </a:r>
+          </a:p>
+        </p:txBody>
+      </p:sp>
+    </p:spTree>
+    <p:extLst>
+      <p:ext uri="{BB962C8B-B14F-4D97-AF65-F5344CB8AC3E}">
+        <p14:creationId xmlns:p14="http://schemas.microsoft.com/office/powerpoint/2010/main" val="3376512965"/>
+      </p:ext>
+    </p:extLst>
+  </p:cSld>
+  <p:clrMapOvr>
+    <a:masterClrMapping/>
+  </p:clrMapOvr>
+</p:sld>
+</file>
+
+<file path=ppt/slides/slide25.xml><?xml version="1.0" encoding="utf-8"?>
+<p:sld xmlns:a="http://schemas.openxmlformats.org/drawingml/2006/main" xmlns:r="http://schemas.openxmlformats.org/officeDocument/2006/relationships" xmlns:p="http://schemas.openxmlformats.org/presentationml/2006/main">
+  <p:cSld>
+    <p:spTree>
+      <p:nvGrpSpPr>
+        <p:cNvPr id="1" name=""/>
+        <p:cNvGrpSpPr/>
+        <p:nvPr/>
+      </p:nvGrpSpPr>
+      <p:grpSpPr>
+        <a:xfrm>
+          <a:off x="0" y="0"/>
+          <a:ext cx="0" cy="0"/>
+          <a:chOff x="0" y="0"/>
+          <a:chExt cx="0" cy="0"/>
+        </a:xfrm>
+      </p:grpSpPr>
+      <p:sp>
+        <p:nvSpPr>
+          <p:cNvPr id="2" name="Title 1"/>
+          <p:cNvSpPr>
+            <a:spLocks noGrp="1"/>
+          </p:cNvSpPr>
+          <p:nvPr>
+            <p:ph type="title"/>
+          </p:nvPr>
+        </p:nvSpPr>
+        <p:spPr/>
+        <p:txBody>
+          <a:bodyPr>
+            <a:normAutofit fontScale="90000"/>
+          </a:bodyPr>
+          <a:lstStyle/>
+          <a:p>
+            <a:r>
+              <a:rPr lang="en-US" dirty="0" smtClean="0"/>
+              <a:t>Only “Value Class” is appropriate to override “equals”</a:t>
+            </a:r>
+            <a:endParaRPr lang="en-US" dirty="0"/>
+          </a:p>
+        </p:txBody>
+      </p:sp>
+      <p:sp>
+        <p:nvSpPr>
+          <p:cNvPr id="3" name="Content Placeholder 2"/>
+          <p:cNvSpPr>
+            <a:spLocks noGrp="1"/>
+          </p:cNvSpPr>
+          <p:nvPr>
+            <p:ph idx="1"/>
+          </p:nvPr>
+        </p:nvSpPr>
+        <p:spPr/>
+        <p:txBody>
+          <a:bodyPr>
+            <a:normAutofit fontScale="85000" lnSpcReduction="20000"/>
+          </a:bodyPr>
+          <a:lstStyle/>
+          <a:p>
+            <a:r>
+              <a:rPr lang="en-US" dirty="0" smtClean="0"/>
+              <a:t>General contract</a:t>
+            </a:r>
+          </a:p>
+          <a:p>
+            <a:pPr lvl="1"/>
+            <a:r>
+              <a:rPr lang="en-US" dirty="0" smtClean="0"/>
+              <a:t>Reflexive</a:t>
+            </a:r>
+          </a:p>
+          <a:p>
+            <a:pPr lvl="2"/>
+            <a:r>
+              <a:rPr lang="en-US" i="1" dirty="0" smtClean="0"/>
+              <a:t>If (x != null) then </a:t>
+            </a:r>
+            <a:r>
+              <a:rPr lang="en-US" i="1" dirty="0" err="1" smtClean="0"/>
+              <a:t>x.equals</a:t>
+            </a:r>
+            <a:r>
+              <a:rPr lang="en-US" i="1" dirty="0" smtClean="0"/>
+              <a:t>(x) is </a:t>
+            </a:r>
+            <a:r>
+              <a:rPr lang="en-US" b="1" i="1" dirty="0" smtClean="0">
+                <a:solidFill>
+                  <a:srgbClr val="C00000"/>
+                </a:solidFill>
+              </a:rPr>
+              <a:t>true</a:t>
+            </a:r>
+          </a:p>
+          <a:p>
+            <a:pPr lvl="1"/>
+            <a:r>
+              <a:rPr lang="en-US" dirty="0" smtClean="0"/>
+              <a:t>Symmetric</a:t>
+            </a:r>
+          </a:p>
+          <a:p>
+            <a:pPr lvl="2"/>
+            <a:r>
+              <a:rPr lang="en-US" i="1" dirty="0" smtClean="0"/>
+              <a:t>If (x != null &amp;&amp; y != null &amp;&amp; </a:t>
+            </a:r>
+            <a:r>
+              <a:rPr lang="en-US" i="1" dirty="0" err="1" smtClean="0"/>
+              <a:t>x.equals</a:t>
+            </a:r>
+            <a:r>
+              <a:rPr lang="en-US" i="1" dirty="0" smtClean="0"/>
+              <a:t>(y)) then </a:t>
+            </a:r>
+            <a:r>
+              <a:rPr lang="en-US" i="1" dirty="0" err="1" smtClean="0"/>
+              <a:t>y.equals</a:t>
+            </a:r>
+            <a:r>
+              <a:rPr lang="en-US" i="1" dirty="0" smtClean="0"/>
+              <a:t>(x) must be </a:t>
+            </a:r>
+            <a:r>
+              <a:rPr lang="en-US" b="1" i="1" dirty="0" smtClean="0">
+                <a:solidFill>
+                  <a:srgbClr val="C00000"/>
+                </a:solidFill>
+              </a:rPr>
+              <a:t>true</a:t>
+            </a:r>
+          </a:p>
+          <a:p>
+            <a:pPr lvl="1"/>
+            <a:r>
+              <a:rPr lang="en-US" dirty="0" smtClean="0"/>
+              <a:t>Transitive</a:t>
+            </a:r>
+          </a:p>
+          <a:p>
+            <a:pPr lvl="2"/>
+            <a:r>
+              <a:rPr lang="en-US" i="1" dirty="0" smtClean="0"/>
+              <a:t>If (</a:t>
+            </a:r>
+            <a:r>
+              <a:rPr lang="en-US" i="1" dirty="0"/>
+              <a:t>x != null &amp;&amp; y != null </a:t>
+            </a:r>
+            <a:r>
+              <a:rPr lang="en-US" i="1" dirty="0" smtClean="0"/>
+              <a:t>&amp;&amp; z != null &amp;&amp; </a:t>
+            </a:r>
+            <a:r>
+              <a:rPr lang="en-US" i="1" dirty="0" err="1"/>
+              <a:t>x.equals</a:t>
+            </a:r>
+            <a:r>
+              <a:rPr lang="en-US" i="1" dirty="0"/>
+              <a:t>(y</a:t>
+            </a:r>
+            <a:r>
+              <a:rPr lang="en-US" i="1" dirty="0" smtClean="0"/>
+              <a:t>) &amp;&amp; </a:t>
+            </a:r>
+            <a:r>
+              <a:rPr lang="en-US" i="1" dirty="0" err="1" smtClean="0"/>
+              <a:t>y.equals</a:t>
+            </a:r>
+            <a:r>
+              <a:rPr lang="en-US" i="1" dirty="0" smtClean="0"/>
+              <a:t>(z)) </a:t>
+            </a:r>
+            <a:r>
+              <a:rPr lang="en-US" i="1" dirty="0"/>
+              <a:t>then </a:t>
+            </a:r>
+            <a:r>
+              <a:rPr lang="en-US" i="1" dirty="0" err="1" smtClean="0"/>
+              <a:t>z.equals</a:t>
+            </a:r>
+            <a:r>
+              <a:rPr lang="en-US" i="1" dirty="0" smtClean="0"/>
+              <a:t>(x</a:t>
+            </a:r>
+            <a:r>
+              <a:rPr lang="en-US" i="1" dirty="0"/>
+              <a:t>) must be </a:t>
+            </a:r>
+            <a:r>
+              <a:rPr lang="en-US" b="1" i="1" dirty="0" smtClean="0">
+                <a:solidFill>
+                  <a:srgbClr val="C00000"/>
+                </a:solidFill>
+              </a:rPr>
+              <a:t>true</a:t>
+            </a:r>
+          </a:p>
+          <a:p>
+            <a:pPr lvl="1"/>
+            <a:r>
+              <a:rPr lang="en-US" dirty="0" smtClean="0"/>
+              <a:t>Consistent</a:t>
+            </a:r>
+          </a:p>
+          <a:p>
+            <a:pPr lvl="2"/>
+            <a:r>
+              <a:rPr lang="en-US" i="1" dirty="0"/>
+              <a:t>If (x != null &amp;&amp; y != </a:t>
+            </a:r>
+            <a:r>
+              <a:rPr lang="en-US" i="1" dirty="0" smtClean="0"/>
+              <a:t>null) then </a:t>
+            </a:r>
+            <a:r>
+              <a:rPr lang="en-US" i="1" dirty="0" err="1"/>
+              <a:t>x.equals</a:t>
+            </a:r>
+            <a:r>
+              <a:rPr lang="en-US" i="1" dirty="0"/>
+              <a:t>(y</a:t>
+            </a:r>
+            <a:r>
+              <a:rPr lang="en-US" i="1" dirty="0" smtClean="0"/>
+              <a:t>) </a:t>
+            </a:r>
+            <a:r>
+              <a:rPr lang="en-US" b="1" i="1" dirty="0" smtClean="0">
+                <a:solidFill>
+                  <a:srgbClr val="C00000"/>
+                </a:solidFill>
+              </a:rPr>
+              <a:t>Always the same</a:t>
+            </a:r>
+            <a:r>
+              <a:rPr lang="en-US" i="1" dirty="0" smtClean="0"/>
+              <a:t> as </a:t>
+            </a:r>
+            <a:r>
+              <a:rPr lang="en-US" i="1" dirty="0" err="1" smtClean="0"/>
+              <a:t>y.equals</a:t>
+            </a:r>
+            <a:r>
+              <a:rPr lang="en-US" i="1" dirty="0" smtClean="0"/>
+              <a:t>(x)</a:t>
+            </a:r>
+          </a:p>
+          <a:p>
+            <a:pPr lvl="1"/>
+            <a:r>
+              <a:rPr lang="en-US" dirty="0" smtClean="0"/>
+              <a:t>(common sense)</a:t>
+            </a:r>
+            <a:endParaRPr lang="en-US" dirty="0"/>
+          </a:p>
+          <a:p>
+            <a:pPr lvl="2"/>
+            <a:r>
+              <a:rPr lang="en-US" i="1" dirty="0" smtClean="0"/>
+              <a:t>If (x != null) then </a:t>
+            </a:r>
+            <a:r>
+              <a:rPr lang="en-US" i="1" dirty="0" err="1" smtClean="0"/>
+              <a:t>x.equals</a:t>
+            </a:r>
+            <a:r>
+              <a:rPr lang="en-US" i="1" dirty="0" smtClean="0"/>
+              <a:t>(null) must be </a:t>
+            </a:r>
+            <a:r>
+              <a:rPr lang="en-US" b="1" i="1" dirty="0" smtClean="0">
+                <a:solidFill>
+                  <a:srgbClr val="C00000"/>
+                </a:solidFill>
+              </a:rPr>
+              <a:t>false</a:t>
+            </a:r>
+            <a:endParaRPr lang="en-US" b="1" i="1" dirty="0">
+              <a:solidFill>
+                <a:srgbClr val="C00000"/>
+              </a:solidFill>
+            </a:endParaRPr>
+          </a:p>
+        </p:txBody>
+      </p:sp>
+    </p:spTree>
+    <p:extLst>
+      <p:ext uri="{BB962C8B-B14F-4D97-AF65-F5344CB8AC3E}">
+        <p14:creationId xmlns:p14="http://schemas.microsoft.com/office/powerpoint/2010/main" val="100698935"/>
       </p:ext>
     </p:extLst>
   </p:cSld>
@@ -3996,19 +5320,14 @@
         </p:nvSpPr>
         <p:spPr/>
         <p:txBody>
-          <a:bodyPr>
-            <a:normAutofit fontScale="90000"/>
-          </a:bodyPr>
-          <a:lstStyle/>
-          <a:p>
-            <a:r>
-              <a:rPr lang="en-US" dirty="0" smtClean="0"/>
-              <a:t>Consider </a:t>
-            </a:r>
-            <a:r>
-              <a:rPr lang="en-US" dirty="0"/>
-              <a:t>static factory methods instead of constructors</a:t>
-            </a:r>
+          <a:bodyPr/>
+          <a:lstStyle/>
+          <a:p>
+            <a:r>
+              <a:rPr lang="en-US" dirty="0" smtClean="0"/>
+              <a:t>Creating &amp; destroying objects</a:t>
+            </a:r>
+            <a:endParaRPr lang="en-US" dirty="0"/>
           </a:p>
         </p:txBody>
       </p:sp>
@@ -4028,16 +5347,17 @@
           <a:lstStyle/>
           <a:p>
             <a:r>
-              <a:rPr lang="en-US" dirty="0"/>
-              <a:t>Item1:</a:t>
-            </a:r>
+              <a:rPr lang="en-US" dirty="0" smtClean="0"/>
+              <a:t>Chapter 2</a:t>
+            </a:r>
+            <a:endParaRPr lang="en-US" dirty="0"/>
           </a:p>
         </p:txBody>
       </p:sp>
     </p:spTree>
     <p:extLst>
       <p:ext uri="{BB962C8B-B14F-4D97-AF65-F5344CB8AC3E}">
-        <p14:creationId xmlns:p14="http://schemas.microsoft.com/office/powerpoint/2010/main" val="2154006362"/>
+        <p14:creationId xmlns:p14="http://schemas.microsoft.com/office/powerpoint/2010/main" val="3802759192"/>
       </p:ext>
     </p:extLst>
   </p:cSld>
@@ -4066,7 +5386,7 @@
       </p:grpSpPr>
       <p:sp>
         <p:nvSpPr>
-          <p:cNvPr id="2" name="Title 1"/>
+          <p:cNvPr id="4" name="Title 3"/>
           <p:cNvSpPr>
             <a:spLocks noGrp="1"/>
           </p:cNvSpPr>
@@ -4077,156 +5397,39 @@
         <p:spPr/>
         <p:txBody>
           <a:bodyPr>
-            <a:normAutofit/>
+            <a:normAutofit fontScale="90000"/>
           </a:bodyPr>
           <a:lstStyle/>
           <a:p>
             <a:r>
               <a:rPr lang="en-US" dirty="0" smtClean="0"/>
-              <a:t>Advantages &amp; limitations</a:t>
-            </a:r>
-            <a:endParaRPr lang="en-US" dirty="0"/>
-          </a:p>
-        </p:txBody>
-      </p:sp>
-      <p:sp>
-        <p:nvSpPr>
-          <p:cNvPr id="3" name="Content Placeholder 2"/>
-          <p:cNvSpPr>
-            <a:spLocks noGrp="1"/>
-          </p:cNvSpPr>
-          <p:nvPr>
-            <p:ph idx="1"/>
-          </p:nvPr>
-        </p:nvSpPr>
-        <p:spPr>
-          <a:xfrm>
-            <a:off x="457200" y="1600200"/>
-            <a:ext cx="8229600" cy="4925144"/>
-          </a:xfrm>
-        </p:spPr>
-        <p:txBody>
-          <a:bodyPr>
-            <a:normAutofit fontScale="62500" lnSpcReduction="20000"/>
-          </a:bodyPr>
-          <a:lstStyle/>
-          <a:p>
-            <a:r>
-              <a:rPr lang="en-US" dirty="0" smtClean="0"/>
-              <a:t>Unlike constructors, they have names.</a:t>
-            </a:r>
-          </a:p>
-          <a:p>
-            <a:pPr lvl="1"/>
+              <a:t>Consider </a:t>
+            </a:r>
             <a:r>
               <a:rPr lang="en-US" dirty="0"/>
-              <a:t>f</a:t>
-            </a:r>
-            <a:r>
-              <a:rPr lang="en-US" dirty="0" smtClean="0"/>
-              <a:t>rom, </a:t>
-            </a:r>
-            <a:r>
-              <a:rPr lang="en-US" dirty="0" err="1" smtClean="0"/>
-              <a:t>valueOf</a:t>
-            </a:r>
-            <a:r>
-              <a:rPr lang="en-US" dirty="0" smtClean="0"/>
-              <a:t>, of, …etc.</a:t>
-            </a:r>
-          </a:p>
-          <a:p>
-            <a:r>
-              <a:rPr lang="en-US" dirty="0" smtClean="0"/>
-              <a:t>Unlike constructors, they are not required to create new object each time they’re invoked.</a:t>
-            </a:r>
-          </a:p>
-          <a:p>
-            <a:pPr lvl="1"/>
-            <a:r>
-              <a:rPr lang="en-US" i="1" dirty="0" smtClean="0"/>
-              <a:t>Flyweight pattern.</a:t>
-            </a:r>
-          </a:p>
-          <a:p>
-            <a:r>
-              <a:rPr lang="en-US" dirty="0" smtClean="0"/>
-              <a:t>Unlike constructors, they can return an object of any subtype of their return type.</a:t>
-            </a:r>
-          </a:p>
-          <a:p>
-            <a:r>
-              <a:rPr lang="en-US" dirty="0" smtClean="0"/>
-              <a:t>The class of the returned object can vary from call to call as a function of the input parameters.</a:t>
-            </a:r>
-          </a:p>
-          <a:p>
-            <a:pPr lvl="1"/>
-            <a:r>
-              <a:rPr lang="en-US" dirty="0" err="1" smtClean="0"/>
-              <a:t>EnumSet</a:t>
-            </a:r>
-            <a:r>
-              <a:rPr lang="en-US" dirty="0" smtClean="0"/>
-              <a:t> (</a:t>
-            </a:r>
-            <a:r>
-              <a:rPr lang="en-US" dirty="0" err="1" smtClean="0"/>
-              <a:t>RegularEnumSet</a:t>
-            </a:r>
-            <a:r>
-              <a:rPr lang="en-US" dirty="0" smtClean="0"/>
-              <a:t> or </a:t>
-            </a:r>
-            <a:r>
-              <a:rPr lang="en-US" dirty="0" err="1" smtClean="0"/>
-              <a:t>JumboEnumSet</a:t>
-            </a:r>
-            <a:r>
-              <a:rPr lang="en-US" dirty="0" smtClean="0"/>
-              <a:t>)</a:t>
-            </a:r>
-          </a:p>
-          <a:p>
-            <a:r>
-              <a:rPr lang="en-US" dirty="0" smtClean="0"/>
-              <a:t>The class of the returned object need not exist when the class containing the method is written.</a:t>
-            </a:r>
-          </a:p>
-          <a:p>
-            <a:pPr lvl="1"/>
-            <a:r>
-              <a:rPr lang="en-US" i="1" dirty="0" smtClean="0"/>
-              <a:t>Bridge pattern.</a:t>
-            </a:r>
-            <a:endParaRPr lang="en-US" dirty="0" smtClean="0"/>
-          </a:p>
-          <a:p>
-            <a:pPr>
-              <a:buFont typeface="Wingdings" panose="05000000000000000000" pitchFamily="2" charset="2"/>
-              <a:buChar char="v"/>
-            </a:pPr>
-            <a:r>
-              <a:rPr lang="en-US" dirty="0" smtClean="0"/>
-              <a:t>The main limitation of providing only static factory methods is that classes without public or protected constructors cannot be sub-classed.</a:t>
-            </a:r>
-          </a:p>
-          <a:p>
-            <a:pPr>
-              <a:buFont typeface="Wingdings" panose="05000000000000000000" pitchFamily="2" charset="2"/>
-              <a:buChar char="v"/>
-            </a:pPr>
-            <a:r>
-              <a:rPr lang="en-US" dirty="0" smtClean="0"/>
-              <a:t>A 2</a:t>
-            </a:r>
-            <a:r>
-              <a:rPr lang="en-US" baseline="30000" dirty="0" smtClean="0"/>
-              <a:t>nd</a:t>
-            </a:r>
-            <a:r>
-              <a:rPr lang="en-US" dirty="0" smtClean="0"/>
-              <a:t> shortcoming of static factory methods is that they are hard for programmers to find.</a:t>
+              <a:t>static factory methods instead of constructors</a:t>
+            </a:r>
+          </a:p>
+        </p:txBody>
+      </p:sp>
+      <p:sp>
+        <p:nvSpPr>
+          <p:cNvPr id="5" name="Text Placeholder 4"/>
+          <p:cNvSpPr>
+            <a:spLocks noGrp="1"/>
+          </p:cNvSpPr>
+          <p:nvPr>
+            <p:ph type="body" idx="1"/>
+          </p:nvPr>
+        </p:nvSpPr>
+        <p:spPr/>
+        <p:txBody>
+          <a:bodyPr/>
+          <a:lstStyle/>
+          <a:p>
+            <a:r>
+              <a:rPr lang="en-US" dirty="0"/>
+              <a:t>Item1:</a:t>
             </a:r>
           </a:p>
         </p:txBody>
@@ -4234,7 +5437,7 @@
     </p:spTree>
     <p:extLst>
       <p:ext uri="{BB962C8B-B14F-4D97-AF65-F5344CB8AC3E}">
-        <p14:creationId xmlns:p14="http://schemas.microsoft.com/office/powerpoint/2010/main" val="422578341"/>
+        <p14:creationId xmlns:p14="http://schemas.microsoft.com/office/powerpoint/2010/main" val="2154006362"/>
       </p:ext>
     </p:extLst>
   </p:cSld>
@@ -4263,7 +5466,7 @@
       </p:grpSpPr>
       <p:sp>
         <p:nvSpPr>
-          <p:cNvPr id="6" name="Title 5"/>
+          <p:cNvPr id="2" name="Title 1"/>
           <p:cNvSpPr>
             <a:spLocks noGrp="1"/>
           </p:cNvSpPr>
@@ -4272,34 +5475,6 @@
           </p:nvPr>
         </p:nvSpPr>
         <p:spPr/>
-        <p:txBody>
-          <a:bodyPr/>
-          <a:lstStyle/>
-          <a:p>
-            <a:r>
-              <a:rPr lang="en-US" dirty="0" smtClean="0"/>
-              <a:t>Java JDK examples</a:t>
-            </a:r>
-            <a:endParaRPr lang="en-US" dirty="0"/>
-          </a:p>
-        </p:txBody>
-      </p:sp>
-      <p:sp>
-        <p:nvSpPr>
-          <p:cNvPr id="3" name="Content Placeholder 2"/>
-          <p:cNvSpPr>
-            <a:spLocks noGrp="1"/>
-          </p:cNvSpPr>
-          <p:nvPr>
-            <p:ph idx="1"/>
-          </p:nvPr>
-        </p:nvSpPr>
-        <p:spPr>
-          <a:xfrm>
-            <a:off x="457200" y="1600201"/>
-            <a:ext cx="8229600" cy="3629000"/>
-          </a:xfrm>
-        </p:spPr>
         <p:txBody>
           <a:bodyPr>
             <a:normAutofit/>
@@ -4307,111 +5482,131 @@
           <a:lstStyle/>
           <a:p>
             <a:r>
-              <a:rPr lang="en-US" dirty="0" err="1" smtClean="0"/>
-              <a:t>Arrays.asList</a:t>
-            </a:r>
-            <a:endParaRPr lang="en-US" dirty="0" smtClean="0"/>
-          </a:p>
-          <a:p>
-            <a:r>
-              <a:rPr lang="en-US" dirty="0" err="1" smtClean="0"/>
-              <a:t>List.of</a:t>
-            </a:r>
-            <a:endParaRPr lang="en-US" dirty="0" smtClean="0"/>
-          </a:p>
-          <a:p>
-            <a:r>
-              <a:rPr lang="en-US" dirty="0" err="1" smtClean="0"/>
-              <a:t>DateTime.from</a:t>
-            </a:r>
-            <a:endParaRPr lang="en-US" dirty="0" smtClean="0"/>
-          </a:p>
-          <a:p>
-            <a:r>
-              <a:rPr lang="en-US" dirty="0" err="1" smtClean="0"/>
-              <a:t>String.format</a:t>
-            </a:r>
-            <a:endParaRPr lang="en-US" dirty="0" smtClean="0"/>
-          </a:p>
-          <a:p>
+              <a:rPr lang="en-US" dirty="0" smtClean="0"/>
+              <a:t>Advantages</a:t>
+            </a:r>
+            <a:endParaRPr lang="en-US" dirty="0"/>
+          </a:p>
+        </p:txBody>
+      </p:sp>
+      <p:sp>
+        <p:nvSpPr>
+          <p:cNvPr id="3" name="Content Placeholder 2"/>
+          <p:cNvSpPr>
+            <a:spLocks noGrp="1"/>
+          </p:cNvSpPr>
+          <p:nvPr>
+            <p:ph idx="1"/>
+          </p:nvPr>
+        </p:nvSpPr>
+        <p:spPr>
+          <a:xfrm>
+            <a:off x="457200" y="1600200"/>
+            <a:ext cx="8229600" cy="4925144"/>
+          </a:xfrm>
+        </p:spPr>
+        <p:txBody>
+          <a:bodyPr>
+            <a:normAutofit fontScale="85000" lnSpcReduction="20000"/>
+          </a:bodyPr>
+          <a:lstStyle/>
+          <a:p>
+            <a:r>
+              <a:rPr lang="en-US" dirty="0" smtClean="0"/>
+              <a:t>Unlike constructors, they have names.</a:t>
+            </a:r>
+          </a:p>
+          <a:p>
+            <a:pPr lvl="1"/>
             <a:r>
               <a:rPr lang="en-US" dirty="0"/>
-              <a:t>(all object types</a:t>
-            </a:r>
-            <a:r>
-              <a:rPr lang="en-US" dirty="0" smtClean="0"/>
-              <a:t>).</a:t>
+              <a:t>f</a:t>
+            </a:r>
+            <a:r>
+              <a:rPr lang="en-US" dirty="0" smtClean="0"/>
+              <a:t>rom, </a:t>
             </a:r>
             <a:r>
               <a:rPr lang="en-US" dirty="0" err="1" smtClean="0"/>
               <a:t>valueOf</a:t>
             </a:r>
-            <a:endParaRPr lang="en-US" dirty="0"/>
-          </a:p>
-          <a:p>
-            <a:r>
-              <a:rPr lang="en-US" dirty="0" smtClean="0"/>
-              <a:t>…</a:t>
-            </a:r>
-          </a:p>
-        </p:txBody>
-      </p:sp>
-      <p:sp>
-        <p:nvSpPr>
-          <p:cNvPr id="4" name="TextBox 3"/>
-          <p:cNvSpPr txBox="1"/>
-          <p:nvPr/>
-        </p:nvSpPr>
-        <p:spPr>
-          <a:xfrm>
-            <a:off x="755576" y="5445224"/>
-            <a:ext cx="6120680" cy="461665"/>
-          </a:xfrm>
-          <a:prstGeom prst="rect">
-            <a:avLst/>
-          </a:prstGeom>
-          <a:noFill/>
-        </p:spPr>
-        <p:txBody>
-          <a:bodyPr wrap="square" rtlCol="0">
-            <a:spAutoFit/>
-          </a:bodyPr>
-          <a:lstStyle/>
-          <a:p>
-            <a:r>
-              <a:rPr lang="en-US" sz="2400" dirty="0" smtClean="0">
-                <a:solidFill>
-                  <a:srgbClr val="FF0000"/>
-                </a:solidFill>
-                <a:effectLst>
-                  <a:outerShdw blurRad="38100" dist="38100" dir="2700000" algn="tl">
-                    <a:srgbClr val="000000">
-                      <a:alpha val="43137"/>
-                    </a:srgbClr>
-                  </a:outerShdw>
-                </a:effectLst>
-              </a:rPr>
-              <a:t>What properties they all have?</a:t>
-            </a:r>
-            <a:endParaRPr lang="en-US" sz="2400" dirty="0">
-              <a:solidFill>
-                <a:srgbClr val="FF0000"/>
-              </a:solidFill>
-              <a:effectLst>
-                <a:outerShdw blurRad="38100" dist="38100" dir="2700000" algn="tl">
-                  <a:srgbClr val="000000">
-                    <a:alpha val="43137"/>
-                  </a:srgbClr>
-                </a:outerShdw>
-              </a:effectLst>
-            </a:endParaRPr>
+            <a:r>
+              <a:rPr lang="en-US" dirty="0" smtClean="0"/>
+              <a:t>, of, …etc.</a:t>
+            </a:r>
+          </a:p>
+          <a:p>
+            <a:r>
+              <a:rPr lang="en-US" dirty="0" smtClean="0"/>
+              <a:t>Unlike constructors, they are not required to create new object each time they’re invoked.</a:t>
+            </a:r>
+          </a:p>
+          <a:p>
+            <a:pPr lvl="1"/>
+            <a:r>
+              <a:rPr lang="en-US" i="1" dirty="0" smtClean="0"/>
+              <a:t>Flyweight pattern.</a:t>
+            </a:r>
+          </a:p>
+          <a:p>
+            <a:r>
+              <a:rPr lang="en-US" dirty="0" smtClean="0"/>
+              <a:t>Unlike constructors, they can return an object of any subtype of their return type.</a:t>
+            </a:r>
+          </a:p>
+          <a:p>
+            <a:r>
+              <a:rPr lang="en-US" dirty="0" smtClean="0"/>
+              <a:t>The class of the returned object can vary from call to call as a function of the input parameters.</a:t>
+            </a:r>
+          </a:p>
+          <a:p>
+            <a:pPr lvl="1"/>
+            <a:r>
+              <a:rPr lang="en-US" dirty="0" err="1" smtClean="0"/>
+              <a:t>EnumSet</a:t>
+            </a:r>
+            <a:r>
+              <a:rPr lang="en-US" dirty="0" smtClean="0"/>
+              <a:t> (</a:t>
+            </a:r>
+            <a:r>
+              <a:rPr lang="en-US" dirty="0" err="1" smtClean="0"/>
+              <a:t>RegularEnumSet</a:t>
+            </a:r>
+            <a:r>
+              <a:rPr lang="en-US" dirty="0" smtClean="0"/>
+              <a:t> or </a:t>
+            </a:r>
+            <a:r>
+              <a:rPr lang="en-US" dirty="0" err="1" smtClean="0"/>
+              <a:t>JumboEnumSet</a:t>
+            </a:r>
+            <a:r>
+              <a:rPr lang="en-US" dirty="0" smtClean="0"/>
+              <a:t>)</a:t>
+            </a:r>
+          </a:p>
+          <a:p>
+            <a:r>
+              <a:rPr lang="en-US" dirty="0" smtClean="0"/>
+              <a:t>The class of the returned object need not exist when the class containing the method is written.</a:t>
+            </a:r>
+          </a:p>
+          <a:p>
+            <a:pPr lvl="1"/>
+            <a:r>
+              <a:rPr lang="en-US" i="1" dirty="0" smtClean="0"/>
+              <a:t>Bridge pattern.</a:t>
+            </a:r>
+            <a:endParaRPr lang="en-US" dirty="0" smtClean="0"/>
           </a:p>
         </p:txBody>
       </p:sp>
     </p:spTree>
     <p:extLst>
       <p:ext uri="{BB962C8B-B14F-4D97-AF65-F5344CB8AC3E}">
-        <p14:creationId xmlns:p14="http://schemas.microsoft.com/office/powerpoint/2010/main" val="2888858686"/>
+        <p14:creationId xmlns:p14="http://schemas.microsoft.com/office/powerpoint/2010/main" val="422578341"/>
       </p:ext>
     </p:extLst>
   </p:cSld>
@@ -4440,7 +5635,7 @@
       </p:grpSpPr>
       <p:sp>
         <p:nvSpPr>
-          <p:cNvPr id="4" name="Title 3"/>
+          <p:cNvPr id="2" name="Title 1"/>
           <p:cNvSpPr>
             <a:spLocks noGrp="1"/>
           </p:cNvSpPr>
@@ -4450,41 +5645,60 @@
         </p:nvSpPr>
         <p:spPr/>
         <p:txBody>
-          <a:bodyPr>
-            <a:normAutofit fontScale="90000"/>
-          </a:bodyPr>
-          <a:lstStyle/>
-          <a:p>
-            <a:r>
-              <a:rPr lang="en-US" dirty="0" smtClean="0"/>
-              <a:t>Consider </a:t>
-            </a:r>
+          <a:bodyPr/>
+          <a:lstStyle/>
+          <a:p>
+            <a:r>
+              <a:rPr lang="en-US" dirty="0" smtClean="0"/>
+              <a:t>Limitations</a:t>
+            </a:r>
+            <a:endParaRPr lang="en-US" dirty="0"/>
+          </a:p>
+        </p:txBody>
+      </p:sp>
+      <p:sp>
+        <p:nvSpPr>
+          <p:cNvPr id="3" name="Content Placeholder 2"/>
+          <p:cNvSpPr>
+            <a:spLocks noGrp="1"/>
+          </p:cNvSpPr>
+          <p:nvPr>
+            <p:ph idx="1"/>
+          </p:nvPr>
+        </p:nvSpPr>
+        <p:spPr/>
+        <p:txBody>
+          <a:bodyPr/>
+          <a:lstStyle/>
+          <a:p>
+            <a:pPr>
+              <a:buFont typeface="Wingdings" panose="05000000000000000000" pitchFamily="2" charset="2"/>
+              <a:buChar char="v"/>
+            </a:pPr>
             <a:r>
               <a:rPr lang="en-US" dirty="0"/>
-              <a:t>a builder when faced with many constructor parameters</a:t>
-            </a:r>
-          </a:p>
-        </p:txBody>
-      </p:sp>
-      <p:sp>
-        <p:nvSpPr>
-          <p:cNvPr id="5" name="Text Placeholder 4"/>
-          <p:cNvSpPr>
-            <a:spLocks noGrp="1"/>
-          </p:cNvSpPr>
-          <p:nvPr>
-            <p:ph type="body" idx="1"/>
-          </p:nvPr>
-        </p:nvSpPr>
-        <p:spPr/>
-        <p:txBody>
-          <a:bodyPr/>
-          <a:lstStyle/>
-          <a:p>
-            <a:r>
-              <a:rPr lang="en-US" dirty="0" smtClean="0"/>
-              <a:t>Item2</a:t>
-            </a:r>
+              <a:t>The main limitation of providing only static factory methods is that classes without public or protected constructors cannot be sub-classed.</a:t>
+            </a:r>
+          </a:p>
+          <a:p>
+            <a:pPr>
+              <a:buFont typeface="Wingdings" panose="05000000000000000000" pitchFamily="2" charset="2"/>
+              <a:buChar char="v"/>
+            </a:pPr>
+            <a:r>
+              <a:rPr lang="en-US" dirty="0"/>
+              <a:t>A 2</a:t>
+            </a:r>
+            <a:r>
+              <a:rPr lang="en-US" baseline="30000" dirty="0"/>
+              <a:t>nd</a:t>
+            </a:r>
+            <a:r>
+              <a:rPr lang="en-US" dirty="0"/>
+              <a:t> shortcoming of static factory methods is that they are hard for programmers to find.</a:t>
+            </a:r>
+          </a:p>
+          <a:p>
             <a:endParaRPr lang="en-US" dirty="0"/>
           </a:p>
         </p:txBody>
@@ -4492,13 +5706,20 @@
     </p:spTree>
     <p:extLst>
       <p:ext uri="{BB962C8B-B14F-4D97-AF65-F5344CB8AC3E}">
-        <p14:creationId xmlns:p14="http://schemas.microsoft.com/office/powerpoint/2010/main" val="183280808"/>
+        <p14:creationId xmlns:p14="http://schemas.microsoft.com/office/powerpoint/2010/main" val="398881557"/>
       </p:ext>
     </p:extLst>
   </p:cSld>
   <p:clrMapOvr>
     <a:masterClrMapping/>
   </p:clrMapOvr>
+  <p:timing>
+    <p:tnLst>
+      <p:par>
+        <p:cTn id="1" dur="indefinite" restart="never" nodeType="tmRoot"/>
+      </p:par>
+    </p:tnLst>
+  </p:timing>
 </p:sld>
 </file>
 
@@ -4521,7 +5742,7 @@
       </p:grpSpPr>
       <p:sp>
         <p:nvSpPr>
-          <p:cNvPr id="2" name="Title 1"/>
+          <p:cNvPr id="6" name="Title 5"/>
           <p:cNvSpPr>
             <a:spLocks noGrp="1"/>
           </p:cNvSpPr>
@@ -4530,6 +5751,34 @@
           </p:nvPr>
         </p:nvSpPr>
         <p:spPr/>
+        <p:txBody>
+          <a:bodyPr/>
+          <a:lstStyle/>
+          <a:p>
+            <a:r>
+              <a:rPr lang="en-US" dirty="0" smtClean="0"/>
+              <a:t>Java JDK examples</a:t>
+            </a:r>
+            <a:endParaRPr lang="en-US" dirty="0"/>
+          </a:p>
+        </p:txBody>
+      </p:sp>
+      <p:sp>
+        <p:nvSpPr>
+          <p:cNvPr id="3" name="Content Placeholder 2"/>
+          <p:cNvSpPr>
+            <a:spLocks noGrp="1"/>
+          </p:cNvSpPr>
+          <p:nvPr>
+            <p:ph idx="1"/>
+          </p:nvPr>
+        </p:nvSpPr>
+        <p:spPr>
+          <a:xfrm>
+            <a:off x="457200" y="1600201"/>
+            <a:ext cx="8229600" cy="3629000"/>
+          </a:xfrm>
+        </p:spPr>
         <p:txBody>
           <a:bodyPr>
             <a:normAutofit/>
@@ -4537,87 +5786,263 @@
           <a:lstStyle/>
           <a:p>
             <a:r>
-              <a:rPr lang="en-US" dirty="0" smtClean="0"/>
-              <a:t>Compare three workable patterns</a:t>
+              <a:rPr lang="en-US" dirty="0" err="1" smtClean="0"/>
+              <a:t>Arrays.asList</a:t>
+            </a:r>
+            <a:endParaRPr lang="en-US" dirty="0" smtClean="0"/>
+          </a:p>
+          <a:p>
+            <a:r>
+              <a:rPr lang="en-US" dirty="0" err="1" smtClean="0"/>
+              <a:t>List.of</a:t>
+            </a:r>
+            <a:endParaRPr lang="en-US" dirty="0" smtClean="0"/>
+          </a:p>
+          <a:p>
+            <a:r>
+              <a:rPr lang="en-US" dirty="0" err="1" smtClean="0"/>
+              <a:t>DateTime.from</a:t>
+            </a:r>
+            <a:endParaRPr lang="en-US" dirty="0" smtClean="0"/>
+          </a:p>
+          <a:p>
+            <a:r>
+              <a:rPr lang="en-US" dirty="0" err="1" smtClean="0"/>
+              <a:t>String.format</a:t>
+            </a:r>
+            <a:endParaRPr lang="en-US" dirty="0" smtClean="0"/>
+          </a:p>
+          <a:p>
+            <a:r>
+              <a:rPr lang="en-US" dirty="0"/>
+              <a:t>(all object types</a:t>
+            </a:r>
+            <a:r>
+              <a:rPr lang="en-US" dirty="0" smtClean="0"/>
+              <a:t>).</a:t>
+            </a:r>
+            <a:r>
+              <a:rPr lang="en-US" dirty="0" err="1" smtClean="0"/>
+              <a:t>valueOf</a:t>
             </a:r>
             <a:endParaRPr lang="en-US" dirty="0"/>
           </a:p>
-        </p:txBody>
-      </p:sp>
-      <p:sp>
-        <p:nvSpPr>
-          <p:cNvPr id="3" name="Content Placeholder 2"/>
-          <p:cNvSpPr>
-            <a:spLocks noGrp="1"/>
-          </p:cNvSpPr>
-          <p:nvPr>
-            <p:ph idx="1"/>
-          </p:nvPr>
-        </p:nvSpPr>
-        <p:spPr/>
-        <p:txBody>
-          <a:bodyPr>
-            <a:normAutofit lnSpcReduction="10000"/>
+          <a:p>
+            <a:r>
+              <a:rPr lang="en-US" dirty="0" smtClean="0"/>
+              <a:t>…</a:t>
+            </a:r>
+          </a:p>
+        </p:txBody>
+      </p:sp>
+      <p:sp>
+        <p:nvSpPr>
+          <p:cNvPr id="4" name="TextBox 3"/>
+          <p:cNvSpPr txBox="1"/>
+          <p:nvPr/>
+        </p:nvSpPr>
+        <p:spPr>
+          <a:xfrm>
+            <a:off x="899592" y="5304690"/>
+            <a:ext cx="7776864" cy="461665"/>
+          </a:xfrm>
+          <a:prstGeom prst="rect">
+            <a:avLst/>
+          </a:prstGeom>
+          <a:noFill/>
+        </p:spPr>
+        <p:txBody>
+          <a:bodyPr wrap="square" rtlCol="0">
+            <a:spAutoFit/>
           </a:bodyPr>
           <a:lstStyle/>
           <a:p>
             <a:r>
-              <a:rPr lang="en-US" dirty="0" smtClean="0"/>
-              <a:t>Telescoping constructor pattern</a:t>
-            </a:r>
-          </a:p>
-          <a:p>
-            <a:pPr lvl="1"/>
-            <a:r>
-              <a:rPr lang="en-US" dirty="0" smtClean="0"/>
-              <a:t>Hierarchy constructor parameters</a:t>
-            </a:r>
-          </a:p>
-          <a:p>
-            <a:pPr lvl="1"/>
-            <a:r>
-              <a:rPr lang="en-US" dirty="0" smtClean="0"/>
-              <a:t>Must differ in either parameter count or type</a:t>
-            </a:r>
-          </a:p>
-          <a:p>
-            <a:pPr lvl="1"/>
-            <a:r>
-              <a:rPr lang="en-US" dirty="0" smtClean="0"/>
-              <a:t>It is hard to write client code when there are many parameters, and harder still to read it</a:t>
-            </a:r>
-          </a:p>
-          <a:p>
-            <a:r>
-              <a:rPr lang="en-US" dirty="0" smtClean="0"/>
-              <a:t>JavaBeans pattern</a:t>
-            </a:r>
-          </a:p>
-          <a:p>
-            <a:pPr lvl="1"/>
-            <a:r>
-              <a:rPr lang="en-US" dirty="0" smtClean="0"/>
-              <a:t>Call a parameter-less constructor to create object and then call setter</a:t>
-            </a:r>
-          </a:p>
-          <a:p>
-            <a:r>
-              <a:rPr lang="en-US" dirty="0" smtClean="0"/>
-              <a:t>Builder pattern</a:t>
-            </a:r>
+              <a:rPr lang="en-US" sz="2400" b="1" i="1" dirty="0" smtClean="0">
+                <a:solidFill>
+                  <a:srgbClr val="FF0000"/>
+                </a:solidFill>
+              </a:rPr>
+              <a:t>Q: What properties they all have?</a:t>
+            </a:r>
+            <a:endParaRPr lang="en-US" sz="2400" b="1" i="1" dirty="0">
+              <a:solidFill>
+                <a:srgbClr val="FF0000"/>
+              </a:solidFill>
+            </a:endParaRPr>
+          </a:p>
+        </p:txBody>
+      </p:sp>
+      <p:sp>
+        <p:nvSpPr>
+          <p:cNvPr id="5" name="TextBox 4"/>
+          <p:cNvSpPr txBox="1"/>
+          <p:nvPr/>
+        </p:nvSpPr>
+        <p:spPr>
+          <a:xfrm>
+            <a:off x="899592" y="5766355"/>
+            <a:ext cx="7776864" cy="830997"/>
+          </a:xfrm>
+          <a:prstGeom prst="rect">
+            <a:avLst/>
+          </a:prstGeom>
+          <a:noFill/>
+        </p:spPr>
+        <p:txBody>
+          <a:bodyPr wrap="square" rtlCol="0">
+            <a:spAutoFit/>
+          </a:bodyPr>
+          <a:lstStyle/>
+          <a:p>
+            <a:r>
+              <a:rPr lang="en-US" sz="2400" b="1" i="1" dirty="0" smtClean="0">
+                <a:solidFill>
+                  <a:schemeClr val="accent6">
+                    <a:lumMod val="75000"/>
+                  </a:schemeClr>
+                </a:solidFill>
+              </a:rPr>
+              <a:t>A: what they do is </a:t>
+            </a:r>
+            <a:r>
+              <a:rPr lang="en-US" sz="2400" b="1" i="1" dirty="0" err="1" smtClean="0">
+                <a:solidFill>
+                  <a:schemeClr val="accent6">
+                    <a:lumMod val="75000"/>
+                  </a:schemeClr>
+                </a:solidFill>
+              </a:rPr>
+              <a:t>jaust</a:t>
+            </a:r>
+            <a:r>
+              <a:rPr lang="en-US" sz="2400" b="1" i="1" dirty="0" smtClean="0">
+                <a:solidFill>
+                  <a:schemeClr val="accent6">
+                    <a:lumMod val="75000"/>
+                  </a:schemeClr>
+                </a:solidFill>
+              </a:rPr>
+              <a:t> making actions binding as one. (</a:t>
+            </a:r>
+            <a:r>
+              <a:rPr lang="en-US" sz="2400" b="1" i="1" dirty="0" err="1" smtClean="0">
+                <a:solidFill>
+                  <a:schemeClr val="accent6">
+                    <a:lumMod val="75000"/>
+                  </a:schemeClr>
+                </a:solidFill>
+              </a:rPr>
+              <a:t>ctor</a:t>
+            </a:r>
+            <a:r>
+              <a:rPr lang="en-US" sz="2400" b="1" i="1" dirty="0" smtClean="0">
+                <a:solidFill>
+                  <a:schemeClr val="accent6">
+                    <a:lumMod val="75000"/>
+                  </a:schemeClr>
+                </a:solidFill>
+              </a:rPr>
+              <a:t> + assign values + validate + …,etc.)</a:t>
+            </a:r>
+            <a:endParaRPr lang="en-US" sz="2400" b="1" i="1" dirty="0">
+              <a:solidFill>
+                <a:schemeClr val="accent6">
+                  <a:lumMod val="75000"/>
+                </a:schemeClr>
+              </a:solidFill>
+            </a:endParaRPr>
           </a:p>
         </p:txBody>
       </p:sp>
     </p:spTree>
     <p:extLst>
       <p:ext uri="{BB962C8B-B14F-4D97-AF65-F5344CB8AC3E}">
-        <p14:creationId xmlns:p14="http://schemas.microsoft.com/office/powerpoint/2010/main" val="3069588789"/>
+        <p14:creationId xmlns:p14="http://schemas.microsoft.com/office/powerpoint/2010/main" val="2888858686"/>
       </p:ext>
     </p:extLst>
   </p:cSld>
   <p:clrMapOvr>
     <a:masterClrMapping/>
   </p:clrMapOvr>
+  <p:timing>
+    <p:tnLst>
+      <p:par>
+        <p:cTn id="1" dur="indefinite" restart="never" nodeType="tmRoot">
+          <p:childTnLst>
+            <p:seq concurrent="1" nextAc="seek">
+              <p:cTn id="2" dur="indefinite" nodeType="mainSeq">
+                <p:childTnLst>
+                  <p:par>
+                    <p:cTn id="3" fill="hold">
+                      <p:stCondLst>
+                        <p:cond delay="indefinite"/>
+                      </p:stCondLst>
+                      <p:childTnLst>
+                        <p:par>
+                          <p:cTn id="4" fill="hold">
+                            <p:stCondLst>
+                              <p:cond delay="0"/>
+                            </p:stCondLst>
+                            <p:childTnLst>
+                              <p:par>
+                                <p:cTn id="5" presetID="1" presetClass="entr" presetSubtype="0" fill="hold" grpId="0" nodeType="clickEffect">
+                                  <p:stCondLst>
+                                    <p:cond delay="0"/>
+                                  </p:stCondLst>
+                                  <p:childTnLst>
+                                    <p:set>
+                                      <p:cBhvr>
+                                        <p:cTn id="6" dur="1" fill="hold">
+                                          <p:stCondLst>
+                                            <p:cond delay="0"/>
+                                          </p:stCondLst>
+                                        </p:cTn>
+                                        <p:tgtEl>
+                                          <p:spTgt spid="5"/>
+                                        </p:tgtEl>
+                                        <p:attrNameLst>
+                                          <p:attrName>style.visibility</p:attrName>
+                                        </p:attrNameLst>
+                                      </p:cBhvr>
+                                      <p:to>
+                                        <p:strVal val="visible"/>
+                                      </p:to>
+                                    </p:set>
+                                  </p:childTnLst>
+                                </p:cTn>
+                              </p:par>
+                            </p:childTnLst>
+                          </p:cTn>
+                        </p:par>
+                      </p:childTnLst>
+                    </p:cTn>
+                  </p:par>
+                </p:childTnLst>
+              </p:cTn>
+              <p:prevCondLst>
+                <p:cond evt="onPrev" delay="0">
+                  <p:tgtEl>
+                    <p:sldTgt/>
+                  </p:tgtEl>
+                </p:cond>
+              </p:prevCondLst>
+              <p:nextCondLst>
+                <p:cond evt="onNext" delay="0">
+                  <p:tgtEl>
+                    <p:sldTgt/>
+                  </p:tgtEl>
+                </p:cond>
+              </p:nextCondLst>
+            </p:seq>
+          </p:childTnLst>
+        </p:cTn>
+      </p:par>
+    </p:tnLst>
+    <p:bldLst>
+      <p:bldP spid="5" grpId="0"/>
+    </p:bldLst>
+  </p:timing>
 </p:sld>
 </file>
 
@@ -4657,19 +6082,11 @@
           <a:p>
             <a:r>
               <a:rPr lang="en-US" dirty="0" smtClean="0"/>
-              <a:t>Enforce </a:t>
+              <a:t>Consider </a:t>
             </a:r>
             <a:r>
               <a:rPr lang="en-US" dirty="0"/>
-              <a:t>the singleton property with a private constructor or an </a:t>
-            </a:r>
-            <a:r>
-              <a:rPr lang="en-US" dirty="0" err="1"/>
-              <a:t>enum</a:t>
-            </a:r>
-            <a:r>
-              <a:rPr lang="en-US" dirty="0"/>
-              <a:t> type.</a:t>
+              <a:t>a builder when faced with many constructor parameters</a:t>
             </a:r>
           </a:p>
         </p:txBody>
@@ -4691,7 +6108,7 @@
           <a:p>
             <a:r>
               <a:rPr lang="en-US" dirty="0" smtClean="0"/>
-              <a:t>Item3</a:t>
+              <a:t>Item2</a:t>
             </a:r>
             <a:endParaRPr lang="en-US" dirty="0"/>
           </a:p>
@@ -4700,13 +6117,20 @@
     </p:spTree>
     <p:extLst>
       <p:ext uri="{BB962C8B-B14F-4D97-AF65-F5344CB8AC3E}">
-        <p14:creationId xmlns:p14="http://schemas.microsoft.com/office/powerpoint/2010/main" val="496893314"/>
+        <p14:creationId xmlns:p14="http://schemas.microsoft.com/office/powerpoint/2010/main" val="183280808"/>
       </p:ext>
     </p:extLst>
   </p:cSld>
   <p:clrMapOvr>
     <a:masterClrMapping/>
   </p:clrMapOvr>
+  <p:timing>
+    <p:tnLst>
+      <p:par>
+        <p:cTn id="1" dur="indefinite" restart="never" nodeType="tmRoot"/>
+      </p:par>
+    </p:tnLst>
+  </p:timing>
 </p:sld>
 </file>
 
@@ -4740,19 +6164,15 @@
         <p:spPr/>
         <p:txBody>
           <a:bodyPr>
-            <a:noAutofit/>
+            <a:normAutofit/>
           </a:bodyPr>
           <a:lstStyle/>
           <a:p>
             <a:r>
               <a:rPr lang="en-US" dirty="0" smtClean="0"/>
-              <a:t>Three</a:t>
-            </a:r>
-            <a:r>
-              <a:rPr lang="en-US" sz="3600" dirty="0" smtClean="0"/>
-              <a:t> ways to implement singleton</a:t>
-            </a:r>
-            <a:endParaRPr lang="en-US" sz="3600" dirty="0"/>
+              <a:t>Compare three workable patterns</a:t>
+            </a:r>
+            <a:endParaRPr lang="en-US" dirty="0"/>
           </a:p>
         </p:txBody>
       </p:sp>
@@ -4766,293 +6186,64 @@
             <p:ph idx="1"/>
           </p:nvPr>
         </p:nvSpPr>
-        <p:spPr>
-          <a:xfrm>
-            <a:off x="457200" y="1600200"/>
-            <a:ext cx="8229600" cy="4205064"/>
-          </a:xfrm>
-        </p:spPr>
+        <p:spPr/>
         <p:txBody>
           <a:bodyPr>
-            <a:normAutofit fontScale="70000" lnSpcReduction="20000"/>
+            <a:normAutofit lnSpcReduction="10000"/>
           </a:bodyPr>
           <a:lstStyle/>
           <a:p>
             <a:r>
               <a:rPr lang="en-US" dirty="0" smtClean="0"/>
-              <a:t>Singleton with public final field</a:t>
+              <a:t>Telescoping constructor pattern</a:t>
             </a:r>
           </a:p>
           <a:p>
             <a:pPr lvl="1"/>
             <a:r>
               <a:rPr lang="en-US" dirty="0" smtClean="0"/>
-              <a:t>The public static field is final, so it will always contain the same object reference.</a:t>
+              <a:t>Hierarchy constructor parameters</a:t>
             </a:r>
           </a:p>
           <a:p>
             <a:pPr lvl="1"/>
             <a:r>
               <a:rPr lang="en-US" dirty="0" smtClean="0"/>
-              <a:t>It is simpler.</a:t>
-            </a:r>
-          </a:p>
-          <a:p>
-            <a:r>
-              <a:rPr lang="en-US" dirty="0" smtClean="0"/>
-              <a:t>Singleton with static factory</a:t>
+              <a:t>Must differ in either parameter count or type</a:t>
             </a:r>
           </a:p>
           <a:p>
             <a:pPr lvl="1"/>
             <a:r>
               <a:rPr lang="en-US" dirty="0" smtClean="0"/>
-              <a:t>Gives the flexibility to change mind about whether the class is a singleton without change its API</a:t>
+              <a:t>It is hard to write client code when there are many parameters, and harder still to read it</a:t>
+            </a:r>
+          </a:p>
+          <a:p>
+            <a:r>
+              <a:rPr lang="en-US" dirty="0" smtClean="0"/>
+              <a:t>JavaBeans pattern</a:t>
             </a:r>
           </a:p>
           <a:p>
             <a:pPr lvl="1"/>
             <a:r>
               <a:rPr lang="en-US" dirty="0" smtClean="0"/>
-              <a:t>Can write a generic singleton factory if application requires.</a:t>
-            </a:r>
-          </a:p>
-          <a:p>
-            <a:pPr lvl="1"/>
-            <a:r>
-              <a:rPr lang="en-US" dirty="0" smtClean="0"/>
-              <a:t>A method reference can be used as a supplier.</a:t>
-            </a:r>
-          </a:p>
-          <a:p>
-            <a:r>
-              <a:rPr lang="en-US" dirty="0" err="1" smtClean="0"/>
-              <a:t>Enum</a:t>
-            </a:r>
-            <a:r>
-              <a:rPr lang="en-US" dirty="0" smtClean="0"/>
-              <a:t> Singleton</a:t>
-            </a:r>
-          </a:p>
-          <a:p>
-            <a:pPr lvl="1"/>
-            <a:r>
-              <a:rPr lang="en-US" dirty="0" smtClean="0"/>
-              <a:t>May feel a bit unnatural, but a singleton-element </a:t>
-            </a:r>
-            <a:r>
-              <a:rPr lang="en-US" dirty="0" err="1" smtClean="0"/>
-              <a:t>enum</a:t>
-            </a:r>
-            <a:r>
-              <a:rPr lang="en-US" dirty="0" smtClean="0"/>
-              <a:t> type is often the best way to implement a singleton</a:t>
-            </a:r>
-          </a:p>
-          <a:p>
-            <a:pPr lvl="1"/>
-            <a:r>
-              <a:rPr lang="en-US" dirty="0" smtClean="0"/>
-              <a:t>Only this one is thread-safe</a:t>
-            </a:r>
-          </a:p>
-        </p:txBody>
-      </p:sp>
-      <p:sp>
-        <p:nvSpPr>
-          <p:cNvPr id="4" name="TextBox 3"/>
-          <p:cNvSpPr txBox="1"/>
-          <p:nvPr/>
-        </p:nvSpPr>
-        <p:spPr>
-          <a:xfrm>
-            <a:off x="1646185" y="1124744"/>
-            <a:ext cx="7488832" cy="400110"/>
-          </a:xfrm>
-          <a:prstGeom prst="rect">
-            <a:avLst/>
-          </a:prstGeom>
-          <a:noFill/>
-        </p:spPr>
-        <p:txBody>
-          <a:bodyPr wrap="square" rtlCol="0">
-            <a:spAutoFit/>
-          </a:bodyPr>
-          <a:lstStyle/>
-          <a:p>
-            <a:pPr marL="342900" indent="-342900">
-              <a:buFont typeface="Wingdings" panose="05000000000000000000" pitchFamily="2" charset="2"/>
-              <a:buChar char="v"/>
-            </a:pPr>
-            <a:r>
-              <a:rPr lang="en-US" sz="2000" i="1" dirty="0" smtClean="0">
-                <a:solidFill>
-                  <a:srgbClr val="FF0000"/>
-                </a:solidFill>
-                <a:effectLst>
-                  <a:outerShdw blurRad="38100" dist="38100" dir="2700000" algn="tl">
-                    <a:srgbClr val="000000">
-                      <a:alpha val="43137"/>
-                    </a:srgbClr>
-                  </a:outerShdw>
-                </a:effectLst>
-              </a:rPr>
-              <a:t>Making </a:t>
-            </a:r>
-            <a:r>
-              <a:rPr lang="en-US" sz="2000" i="1" dirty="0">
-                <a:solidFill>
-                  <a:srgbClr val="FF0000"/>
-                </a:solidFill>
-                <a:effectLst>
-                  <a:outerShdw blurRad="38100" dist="38100" dir="2700000" algn="tl">
-                    <a:srgbClr val="000000">
-                      <a:alpha val="43137"/>
-                    </a:srgbClr>
-                  </a:outerShdw>
-                </a:effectLst>
-              </a:rPr>
-              <a:t>a class a singleton can make it difficult to test its clients</a:t>
-            </a:r>
-            <a:r>
-              <a:rPr lang="en-US" sz="2000" i="1" dirty="0" smtClean="0">
-                <a:solidFill>
-                  <a:srgbClr val="FF0000"/>
-                </a:solidFill>
-                <a:effectLst>
-                  <a:outerShdw blurRad="38100" dist="38100" dir="2700000" algn="tl">
-                    <a:srgbClr val="000000">
-                      <a:alpha val="43137"/>
-                    </a:srgbClr>
-                  </a:outerShdw>
-                </a:effectLst>
-              </a:rPr>
-              <a:t>.</a:t>
-            </a:r>
-            <a:endParaRPr lang="en-US" sz="2000" i="1" dirty="0">
-              <a:solidFill>
-                <a:srgbClr val="FF0000"/>
-              </a:solidFill>
-              <a:effectLst>
-                <a:outerShdw blurRad="38100" dist="38100" dir="2700000" algn="tl">
-                  <a:srgbClr val="000000">
-                    <a:alpha val="43137"/>
-                  </a:srgbClr>
-                </a:outerShdw>
-              </a:effectLst>
-            </a:endParaRPr>
-          </a:p>
-        </p:txBody>
-      </p:sp>
-      <p:sp>
-        <p:nvSpPr>
-          <p:cNvPr id="6" name="TextBox 5"/>
-          <p:cNvSpPr txBox="1"/>
-          <p:nvPr/>
-        </p:nvSpPr>
-        <p:spPr>
-          <a:xfrm>
-            <a:off x="633702" y="5733256"/>
-            <a:ext cx="7488832" cy="923330"/>
-          </a:xfrm>
-          <a:prstGeom prst="rect">
-            <a:avLst/>
-          </a:prstGeom>
-          <a:noFill/>
-        </p:spPr>
-        <p:txBody>
-          <a:bodyPr wrap="square" rtlCol="0">
-            <a:spAutoFit/>
-          </a:bodyPr>
-          <a:lstStyle/>
-          <a:p>
-            <a:pPr algn="ctr"/>
-            <a:r>
-              <a:rPr lang="en-US" b="1" u="sng" dirty="0">
-                <a:solidFill>
-                  <a:srgbClr val="7030A0"/>
-                </a:solidFill>
-              </a:rPr>
-              <a:t>Bill-Pugh Singleton (</a:t>
-            </a:r>
-            <a:r>
-              <a:rPr lang="en-US" b="1" u="sng" dirty="0" err="1">
-                <a:solidFill>
-                  <a:srgbClr val="7030A0"/>
-                </a:solidFill>
-              </a:rPr>
-              <a:t>Siwei’s</a:t>
-            </a:r>
-            <a:r>
-              <a:rPr lang="en-US" b="1" u="sng" dirty="0">
-                <a:solidFill>
-                  <a:srgbClr val="7030A0"/>
-                </a:solidFill>
-              </a:rPr>
-              <a:t> </a:t>
-            </a:r>
-            <a:r>
-              <a:rPr lang="en-US" b="1" u="sng" dirty="0" smtClean="0">
-                <a:solidFill>
-                  <a:srgbClr val="7030A0"/>
-                </a:solidFill>
-              </a:rPr>
-              <a:t>appendix)</a:t>
-            </a:r>
-          </a:p>
-          <a:p>
-            <a:r>
-              <a:rPr lang="en-US" dirty="0" smtClean="0">
-                <a:solidFill>
-                  <a:srgbClr val="7030A0"/>
-                </a:solidFill>
-              </a:rPr>
-              <a:t>Implementation </a:t>
-            </a:r>
-            <a:r>
-              <a:rPr lang="en-US" dirty="0">
-                <a:solidFill>
-                  <a:srgbClr val="7030A0"/>
-                </a:solidFill>
-              </a:rPr>
-              <a:t>using the static inner helper class. Static inner classes are not loaded into memory until their </a:t>
-            </a:r>
-            <a:r>
-              <a:rPr lang="en-US" dirty="0" err="1">
-                <a:solidFill>
-                  <a:srgbClr val="7030A0"/>
-                </a:solidFill>
-              </a:rPr>
-              <a:t>getInstance</a:t>
-            </a:r>
-            <a:r>
-              <a:rPr lang="en-US" dirty="0">
-                <a:solidFill>
-                  <a:srgbClr val="7030A0"/>
-                </a:solidFill>
-              </a:rPr>
-              <a:t>() methods are </a:t>
-            </a:r>
-            <a:r>
-              <a:rPr lang="en-US" dirty="0" smtClean="0">
-                <a:solidFill>
-                  <a:srgbClr val="7030A0"/>
-                </a:solidFill>
-              </a:rPr>
-              <a:t>called.</a:t>
-            </a:r>
-            <a:endParaRPr lang="en-US" dirty="0">
-              <a:solidFill>
-                <a:srgbClr val="7030A0"/>
-              </a:solidFill>
-            </a:endParaRPr>
+              <a:t>Call a parameter-less constructor to create object and then call setter</a:t>
+            </a:r>
+          </a:p>
+          <a:p>
+            <a:r>
+              <a:rPr lang="en-US" dirty="0" smtClean="0"/>
+              <a:t>Builder pattern</a:t>
+            </a:r>
           </a:p>
         </p:txBody>
       </p:sp>
     </p:spTree>
     <p:extLst>
       <p:ext uri="{BB962C8B-B14F-4D97-AF65-F5344CB8AC3E}">
-        <p14:creationId xmlns:p14="http://schemas.microsoft.com/office/powerpoint/2010/main" val="1035104547"/>
+        <p14:creationId xmlns:p14="http://schemas.microsoft.com/office/powerpoint/2010/main" val="3069588789"/>
       </p:ext>
     </p:extLst>
   </p:cSld>
